--- a/Phyton/Python.pptx
+++ b/Phyton/Python.pptx
@@ -15,8 +15,20 @@
     <p:sldId id="263" r:id="rId9"/>
     <p:sldId id="264" r:id="rId10"/>
     <p:sldId id="265" r:id="rId11"/>
-    <p:sldId id="266" r:id="rId12"/>
-    <p:sldId id="267" r:id="rId13"/>
+    <p:sldId id="272" r:id="rId12"/>
+    <p:sldId id="273" r:id="rId13"/>
+    <p:sldId id="274" r:id="rId14"/>
+    <p:sldId id="266" r:id="rId15"/>
+    <p:sldId id="267" r:id="rId16"/>
+    <p:sldId id="269" r:id="rId17"/>
+    <p:sldId id="268" r:id="rId18"/>
+    <p:sldId id="270" r:id="rId19"/>
+    <p:sldId id="271" r:id="rId20"/>
+    <p:sldId id="275" r:id="rId21"/>
+    <p:sldId id="276" r:id="rId22"/>
+    <p:sldId id="277" r:id="rId23"/>
+    <p:sldId id="278" r:id="rId24"/>
+    <p:sldId id="279" r:id="rId25"/>
   </p:sldIdLst>
   <p:sldSz cx="12192000" cy="6858000"/>
   <p:notesSz cx="6858000" cy="9144000"/>
@@ -272,7 +284,7 @@
           <a:p>
             <a:fld id="{F47A7D73-A6A4-4E28-9FB2-EAA0E92A46D6}" type="datetimeFigureOut">
               <a:rPr lang="de-AT" smtClean="0"/>
-              <a:t>04.10.2022</a:t>
+              <a:t>29.11.2022</a:t>
             </a:fld>
             <a:endParaRPr lang="de-AT"/>
           </a:p>
@@ -472,7 +484,7 @@
           <a:p>
             <a:fld id="{F47A7D73-A6A4-4E28-9FB2-EAA0E92A46D6}" type="datetimeFigureOut">
               <a:rPr lang="de-AT" smtClean="0"/>
-              <a:t>04.10.2022</a:t>
+              <a:t>29.11.2022</a:t>
             </a:fld>
             <a:endParaRPr lang="de-AT"/>
           </a:p>
@@ -682,7 +694,7 @@
           <a:p>
             <a:fld id="{F47A7D73-A6A4-4E28-9FB2-EAA0E92A46D6}" type="datetimeFigureOut">
               <a:rPr lang="de-AT" smtClean="0"/>
-              <a:t>04.10.2022</a:t>
+              <a:t>29.11.2022</a:t>
             </a:fld>
             <a:endParaRPr lang="de-AT"/>
           </a:p>
@@ -882,7 +894,7 @@
           <a:p>
             <a:fld id="{F47A7D73-A6A4-4E28-9FB2-EAA0E92A46D6}" type="datetimeFigureOut">
               <a:rPr lang="de-AT" smtClean="0"/>
-              <a:t>04.10.2022</a:t>
+              <a:t>29.11.2022</a:t>
             </a:fld>
             <a:endParaRPr lang="de-AT"/>
           </a:p>
@@ -1158,7 +1170,7 @@
           <a:p>
             <a:fld id="{F47A7D73-A6A4-4E28-9FB2-EAA0E92A46D6}" type="datetimeFigureOut">
               <a:rPr lang="de-AT" smtClean="0"/>
-              <a:t>04.10.2022</a:t>
+              <a:t>29.11.2022</a:t>
             </a:fld>
             <a:endParaRPr lang="de-AT"/>
           </a:p>
@@ -1426,7 +1438,7 @@
           <a:p>
             <a:fld id="{F47A7D73-A6A4-4E28-9FB2-EAA0E92A46D6}" type="datetimeFigureOut">
               <a:rPr lang="de-AT" smtClean="0"/>
-              <a:t>04.10.2022</a:t>
+              <a:t>29.11.2022</a:t>
             </a:fld>
             <a:endParaRPr lang="de-AT"/>
           </a:p>
@@ -1841,7 +1853,7 @@
           <a:p>
             <a:fld id="{F47A7D73-A6A4-4E28-9FB2-EAA0E92A46D6}" type="datetimeFigureOut">
               <a:rPr lang="de-AT" smtClean="0"/>
-              <a:t>04.10.2022</a:t>
+              <a:t>29.11.2022</a:t>
             </a:fld>
             <a:endParaRPr lang="de-AT"/>
           </a:p>
@@ -1983,7 +1995,7 @@
           <a:p>
             <a:fld id="{F47A7D73-A6A4-4E28-9FB2-EAA0E92A46D6}" type="datetimeFigureOut">
               <a:rPr lang="de-AT" smtClean="0"/>
-              <a:t>04.10.2022</a:t>
+              <a:t>29.11.2022</a:t>
             </a:fld>
             <a:endParaRPr lang="de-AT"/>
           </a:p>
@@ -2096,7 +2108,7 @@
           <a:p>
             <a:fld id="{F47A7D73-A6A4-4E28-9FB2-EAA0E92A46D6}" type="datetimeFigureOut">
               <a:rPr lang="de-AT" smtClean="0"/>
-              <a:t>04.10.2022</a:t>
+              <a:t>29.11.2022</a:t>
             </a:fld>
             <a:endParaRPr lang="de-AT"/>
           </a:p>
@@ -2409,7 +2421,7 @@
           <a:p>
             <a:fld id="{F47A7D73-A6A4-4E28-9FB2-EAA0E92A46D6}" type="datetimeFigureOut">
               <a:rPr lang="de-AT" smtClean="0"/>
-              <a:t>04.10.2022</a:t>
+              <a:t>29.11.2022</a:t>
             </a:fld>
             <a:endParaRPr lang="de-AT"/>
           </a:p>
@@ -2698,7 +2710,7 @@
           <a:p>
             <a:fld id="{F47A7D73-A6A4-4E28-9FB2-EAA0E92A46D6}" type="datetimeFigureOut">
               <a:rPr lang="de-AT" smtClean="0"/>
-              <a:t>04.10.2022</a:t>
+              <a:t>29.11.2022</a:t>
             </a:fld>
             <a:endParaRPr lang="de-AT"/>
           </a:p>
@@ -2941,7 +2953,7 @@
           <a:p>
             <a:fld id="{F47A7D73-A6A4-4E28-9FB2-EAA0E92A46D6}" type="datetimeFigureOut">
               <a:rPr lang="de-AT" smtClean="0"/>
-              <a:t>04.10.2022</a:t>
+              <a:t>29.11.2022</a:t>
             </a:fld>
             <a:endParaRPr lang="de-AT"/>
           </a:p>
@@ -3630,6 +3642,944 @@
           <p:cNvPr id="2" name="Titel 1">
             <a:extLst>
               <a:ext uri="{FF2B5EF4-FFF2-40B4-BE49-F238E27FC236}">
+                <a16:creationId xmlns:a16="http://schemas.microsoft.com/office/drawing/2014/main" id="{9E806E6E-CEFA-036A-85B0-3CB40294372B}"/>
+              </a:ext>
+            </a:extLst>
+          </p:cNvPr>
+          <p:cNvSpPr>
+            <a:spLocks noGrp="1"/>
+          </p:cNvSpPr>
+          <p:nvPr>
+            <p:ph type="title"/>
+          </p:nvPr>
+        </p:nvSpPr>
+        <p:spPr/>
+        <p:txBody>
+          <a:bodyPr/>
+          <a:lstStyle/>
+          <a:p>
+            <a:r>
+              <a:rPr lang="de-DE" dirty="0"/>
+              <a:t>Lists</a:t>
+            </a:r>
+            <a:endParaRPr lang="de-AT" dirty="0"/>
+          </a:p>
+        </p:txBody>
+      </p:sp>
+      <p:pic>
+        <p:nvPicPr>
+          <p:cNvPr id="3" name="Picture 8" descr="Quellbild anzeigen">
+            <a:extLst>
+              <a:ext uri="{FF2B5EF4-FFF2-40B4-BE49-F238E27FC236}">
+                <a16:creationId xmlns:a16="http://schemas.microsoft.com/office/drawing/2014/main" id="{5A4F110A-8ABC-6DA0-E06C-3D21BD532064}"/>
+              </a:ext>
+            </a:extLst>
+          </p:cNvPr>
+          <p:cNvPicPr>
+            <a:picLocks noChangeAspect="1" noChangeArrowheads="1"/>
+          </p:cNvPicPr>
+          <p:nvPr/>
+        </p:nvPicPr>
+        <p:blipFill>
+          <a:blip r:embed="rId2">
+            <a:extLst>
+              <a:ext uri="{28A0092B-C50C-407E-A947-70E740481C1C}">
+                <a14:useLocalDpi xmlns:a14="http://schemas.microsoft.com/office/drawing/2010/main" val="0"/>
+              </a:ext>
+            </a:extLst>
+          </a:blip>
+          <a:srcRect/>
+          <a:stretch>
+            <a:fillRect/>
+          </a:stretch>
+        </p:blipFill>
+        <p:spPr bwMode="auto">
+          <a:xfrm>
+            <a:off x="10437091" y="230904"/>
+            <a:ext cx="1469159" cy="1463509"/>
+          </a:xfrm>
+          <a:prstGeom prst="rect">
+            <a:avLst/>
+          </a:prstGeom>
+          <a:noFill/>
+          <a:extLst>
+            <a:ext uri="{909E8E84-426E-40DD-AFC4-6F175D3DCCD1}">
+              <a14:hiddenFill xmlns:a14="http://schemas.microsoft.com/office/drawing/2010/main">
+                <a:solidFill>
+                  <a:srgbClr val="FFFFFF"/>
+                </a:solidFill>
+              </a14:hiddenFill>
+            </a:ext>
+          </a:extLst>
+        </p:spPr>
+      </p:pic>
+      <p:pic>
+        <p:nvPicPr>
+          <p:cNvPr id="8" name="Grafik 7">
+            <a:extLst>
+              <a:ext uri="{FF2B5EF4-FFF2-40B4-BE49-F238E27FC236}">
+                <a16:creationId xmlns:a16="http://schemas.microsoft.com/office/drawing/2014/main" id="{CD69B667-C414-953D-2C13-B4DFACBCF39C}"/>
+              </a:ext>
+            </a:extLst>
+          </p:cNvPr>
+          <p:cNvPicPr>
+            <a:picLocks noChangeAspect="1"/>
+          </p:cNvPicPr>
+          <p:nvPr/>
+        </p:nvPicPr>
+        <p:blipFill>
+          <a:blip r:embed="rId3"/>
+          <a:stretch>
+            <a:fillRect/>
+          </a:stretch>
+        </p:blipFill>
+        <p:spPr>
+          <a:xfrm>
+            <a:off x="338136" y="1414462"/>
+            <a:ext cx="9263064" cy="3643313"/>
+          </a:xfrm>
+          <a:prstGeom prst="rect">
+            <a:avLst/>
+          </a:prstGeom>
+        </p:spPr>
+      </p:pic>
+      <p:pic>
+        <p:nvPicPr>
+          <p:cNvPr id="10" name="Grafik 9">
+            <a:extLst>
+              <a:ext uri="{FF2B5EF4-FFF2-40B4-BE49-F238E27FC236}">
+                <a16:creationId xmlns:a16="http://schemas.microsoft.com/office/drawing/2014/main" id="{97BC6C7A-F76A-19D1-03E0-FC65BA860CF7}"/>
+              </a:ext>
+            </a:extLst>
+          </p:cNvPr>
+          <p:cNvPicPr>
+            <a:picLocks noChangeAspect="1"/>
+          </p:cNvPicPr>
+          <p:nvPr/>
+        </p:nvPicPr>
+        <p:blipFill>
+          <a:blip r:embed="rId4"/>
+          <a:stretch>
+            <a:fillRect/>
+          </a:stretch>
+        </p:blipFill>
+        <p:spPr>
+          <a:xfrm>
+            <a:off x="338134" y="5057775"/>
+            <a:ext cx="9263063" cy="1619705"/>
+          </a:xfrm>
+          <a:prstGeom prst="rect">
+            <a:avLst/>
+          </a:prstGeom>
+        </p:spPr>
+      </p:pic>
+      <p:sp>
+        <p:nvSpPr>
+          <p:cNvPr id="16" name="Textfeld 15">
+            <a:extLst>
+              <a:ext uri="{FF2B5EF4-FFF2-40B4-BE49-F238E27FC236}">
+                <a16:creationId xmlns:a16="http://schemas.microsoft.com/office/drawing/2014/main" id="{D3532A0A-7EE9-F7B6-EECF-BAB13FED38A6}"/>
+              </a:ext>
+            </a:extLst>
+          </p:cNvPr>
+          <p:cNvSpPr txBox="1"/>
+          <p:nvPr/>
+        </p:nvSpPr>
+        <p:spPr>
+          <a:xfrm>
+            <a:off x="692727" y="5443538"/>
+            <a:ext cx="8908469" cy="264534"/>
+          </a:xfrm>
+          <a:prstGeom prst="rect">
+            <a:avLst/>
+          </a:prstGeom>
+          <a:solidFill>
+            <a:srgbClr val="011627"/>
+          </a:solidFill>
+        </p:spPr>
+        <p:txBody>
+          <a:bodyPr wrap="square" rtlCol="0">
+            <a:spAutoFit/>
+          </a:bodyPr>
+          <a:lstStyle/>
+          <a:p>
+            <a:endParaRPr lang="de-AT" dirty="0"/>
+          </a:p>
+        </p:txBody>
+      </p:sp>
+      <p:sp>
+        <p:nvSpPr>
+          <p:cNvPr id="17" name="Textfeld 16">
+            <a:extLst>
+              <a:ext uri="{FF2B5EF4-FFF2-40B4-BE49-F238E27FC236}">
+                <a16:creationId xmlns:a16="http://schemas.microsoft.com/office/drawing/2014/main" id="{E489B078-66D1-78D8-79C4-97FA634DA693}"/>
+              </a:ext>
+            </a:extLst>
+          </p:cNvPr>
+          <p:cNvSpPr txBox="1"/>
+          <p:nvPr/>
+        </p:nvSpPr>
+        <p:spPr>
+          <a:xfrm>
+            <a:off x="361221" y="5607854"/>
+            <a:ext cx="331506" cy="100219"/>
+          </a:xfrm>
+          <a:prstGeom prst="rect">
+            <a:avLst/>
+          </a:prstGeom>
+          <a:solidFill>
+            <a:srgbClr val="011627"/>
+          </a:solidFill>
+        </p:spPr>
+        <p:txBody>
+          <a:bodyPr wrap="square" rtlCol="0">
+            <a:spAutoFit/>
+          </a:bodyPr>
+          <a:lstStyle/>
+          <a:p>
+            <a:endParaRPr lang="de-AT" dirty="0"/>
+          </a:p>
+        </p:txBody>
+      </p:sp>
+    </p:spTree>
+    <p:extLst>
+      <p:ext uri="{BB962C8B-B14F-4D97-AF65-F5344CB8AC3E}">
+        <p14:creationId xmlns:p14="http://schemas.microsoft.com/office/powerpoint/2010/main" val="2212563306"/>
+      </p:ext>
+    </p:extLst>
+  </p:cSld>
+  <p:clrMapOvr>
+    <a:masterClrMapping/>
+  </p:clrMapOvr>
+</p:sld>
+</file>
+
+<file path=ppt/slides/slide12.xml><?xml version="1.0" encoding="utf-8"?>
+<p:sld xmlns:a="http://schemas.openxmlformats.org/drawingml/2006/main" xmlns:r="http://schemas.openxmlformats.org/officeDocument/2006/relationships" xmlns:p="http://schemas.openxmlformats.org/presentationml/2006/main">
+  <p:cSld>
+    <p:spTree>
+      <p:nvGrpSpPr>
+        <p:cNvPr id="1" name=""/>
+        <p:cNvGrpSpPr/>
+        <p:nvPr/>
+      </p:nvGrpSpPr>
+      <p:grpSpPr>
+        <a:xfrm>
+          <a:off x="0" y="0"/>
+          <a:ext cx="0" cy="0"/>
+          <a:chOff x="0" y="0"/>
+          <a:chExt cx="0" cy="0"/>
+        </a:xfrm>
+      </p:grpSpPr>
+      <p:sp>
+        <p:nvSpPr>
+          <p:cNvPr id="2" name="Titel 1">
+            <a:extLst>
+              <a:ext uri="{FF2B5EF4-FFF2-40B4-BE49-F238E27FC236}">
+                <a16:creationId xmlns:a16="http://schemas.microsoft.com/office/drawing/2014/main" id="{9E806E6E-CEFA-036A-85B0-3CB40294372B}"/>
+              </a:ext>
+            </a:extLst>
+          </p:cNvPr>
+          <p:cNvSpPr>
+            <a:spLocks noGrp="1"/>
+          </p:cNvSpPr>
+          <p:nvPr>
+            <p:ph type="title"/>
+          </p:nvPr>
+        </p:nvSpPr>
+        <p:spPr/>
+        <p:txBody>
+          <a:bodyPr/>
+          <a:lstStyle/>
+          <a:p>
+            <a:r>
+              <a:rPr lang="de-DE" dirty="0"/>
+              <a:t>Lists</a:t>
+            </a:r>
+            <a:endParaRPr lang="de-AT" dirty="0"/>
+          </a:p>
+        </p:txBody>
+      </p:sp>
+      <p:pic>
+        <p:nvPicPr>
+          <p:cNvPr id="3" name="Picture 8" descr="Quellbild anzeigen">
+            <a:extLst>
+              <a:ext uri="{FF2B5EF4-FFF2-40B4-BE49-F238E27FC236}">
+                <a16:creationId xmlns:a16="http://schemas.microsoft.com/office/drawing/2014/main" id="{5A4F110A-8ABC-6DA0-E06C-3D21BD532064}"/>
+              </a:ext>
+            </a:extLst>
+          </p:cNvPr>
+          <p:cNvPicPr>
+            <a:picLocks noChangeAspect="1" noChangeArrowheads="1"/>
+          </p:cNvPicPr>
+          <p:nvPr/>
+        </p:nvPicPr>
+        <p:blipFill>
+          <a:blip r:embed="rId2">
+            <a:extLst>
+              <a:ext uri="{28A0092B-C50C-407E-A947-70E740481C1C}">
+                <a14:useLocalDpi xmlns:a14="http://schemas.microsoft.com/office/drawing/2010/main" val="0"/>
+              </a:ext>
+            </a:extLst>
+          </a:blip>
+          <a:srcRect/>
+          <a:stretch>
+            <a:fillRect/>
+          </a:stretch>
+        </p:blipFill>
+        <p:spPr bwMode="auto">
+          <a:xfrm>
+            <a:off x="10437091" y="230904"/>
+            <a:ext cx="1469159" cy="1463509"/>
+          </a:xfrm>
+          <a:prstGeom prst="rect">
+            <a:avLst/>
+          </a:prstGeom>
+          <a:noFill/>
+          <a:extLst>
+            <a:ext uri="{909E8E84-426E-40DD-AFC4-6F175D3DCCD1}">
+              <a14:hiddenFill xmlns:a14="http://schemas.microsoft.com/office/drawing/2010/main">
+                <a:solidFill>
+                  <a:srgbClr val="FFFFFF"/>
+                </a:solidFill>
+              </a14:hiddenFill>
+            </a:ext>
+          </a:extLst>
+        </p:spPr>
+      </p:pic>
+      <p:pic>
+        <p:nvPicPr>
+          <p:cNvPr id="5" name="Grafik 4">
+            <a:extLst>
+              <a:ext uri="{FF2B5EF4-FFF2-40B4-BE49-F238E27FC236}">
+                <a16:creationId xmlns:a16="http://schemas.microsoft.com/office/drawing/2014/main" id="{DA2AE28E-AA62-7826-C437-EA3BB74F15C9}"/>
+              </a:ext>
+            </a:extLst>
+          </p:cNvPr>
+          <p:cNvPicPr>
+            <a:picLocks noChangeAspect="1"/>
+          </p:cNvPicPr>
+          <p:nvPr/>
+        </p:nvPicPr>
+        <p:blipFill>
+          <a:blip r:embed="rId3"/>
+          <a:stretch>
+            <a:fillRect/>
+          </a:stretch>
+        </p:blipFill>
+        <p:spPr>
+          <a:xfrm>
+            <a:off x="167640" y="2290351"/>
+            <a:ext cx="11856720" cy="2985230"/>
+          </a:xfrm>
+          <a:prstGeom prst="rect">
+            <a:avLst/>
+          </a:prstGeom>
+        </p:spPr>
+      </p:pic>
+      <p:sp>
+        <p:nvSpPr>
+          <p:cNvPr id="6" name="Inhaltsplatzhalter 2">
+            <a:extLst>
+              <a:ext uri="{FF2B5EF4-FFF2-40B4-BE49-F238E27FC236}">
+                <a16:creationId xmlns:a16="http://schemas.microsoft.com/office/drawing/2014/main" id="{444FBEEB-61C8-99CD-8005-4628FF8B2A6E}"/>
+              </a:ext>
+            </a:extLst>
+          </p:cNvPr>
+          <p:cNvSpPr txBox="1">
+            <a:spLocks/>
+          </p:cNvSpPr>
+          <p:nvPr/>
+        </p:nvSpPr>
+        <p:spPr>
+          <a:xfrm>
+            <a:off x="838200" y="1582419"/>
+            <a:ext cx="10515600" cy="4808855"/>
+          </a:xfrm>
+          <a:prstGeom prst="rect">
+            <a:avLst/>
+          </a:prstGeom>
+        </p:spPr>
+        <p:txBody>
+          <a:bodyPr/>
+          <a:lstStyle>
+            <a:lvl1pPr marL="228600" indent="-228600" algn="l" defTabSz="914400" rtl="0" eaLnBrk="1" latinLnBrk="0" hangingPunct="1">
+              <a:lnSpc>
+                <a:spcPct val="90000"/>
+              </a:lnSpc>
+              <a:spcBef>
+                <a:spcPts val="1000"/>
+              </a:spcBef>
+              <a:buFont typeface="Arial" panose="020B0604020202020204" pitchFamily="34" charset="0"/>
+              <a:buChar char="•"/>
+              <a:defRPr sz="2800" kern="1200">
+                <a:solidFill>
+                  <a:schemeClr val="tx1"/>
+                </a:solidFill>
+                <a:latin typeface="+mn-lt"/>
+                <a:ea typeface="+mn-ea"/>
+                <a:cs typeface="+mn-cs"/>
+              </a:defRPr>
+            </a:lvl1pPr>
+            <a:lvl2pPr marL="685800" indent="-228600" algn="l" defTabSz="914400" rtl="0" eaLnBrk="1" latinLnBrk="0" hangingPunct="1">
+              <a:lnSpc>
+                <a:spcPct val="90000"/>
+              </a:lnSpc>
+              <a:spcBef>
+                <a:spcPts val="500"/>
+              </a:spcBef>
+              <a:buFont typeface="Arial" panose="020B0604020202020204" pitchFamily="34" charset="0"/>
+              <a:buChar char="•"/>
+              <a:defRPr sz="2400" kern="1200">
+                <a:solidFill>
+                  <a:schemeClr val="tx1"/>
+                </a:solidFill>
+                <a:latin typeface="+mn-lt"/>
+                <a:ea typeface="+mn-ea"/>
+                <a:cs typeface="+mn-cs"/>
+              </a:defRPr>
+            </a:lvl2pPr>
+            <a:lvl3pPr marL="1143000" indent="-228600" algn="l" defTabSz="914400" rtl="0" eaLnBrk="1" latinLnBrk="0" hangingPunct="1">
+              <a:lnSpc>
+                <a:spcPct val="90000"/>
+              </a:lnSpc>
+              <a:spcBef>
+                <a:spcPts val="500"/>
+              </a:spcBef>
+              <a:buFont typeface="Arial" panose="020B0604020202020204" pitchFamily="34" charset="0"/>
+              <a:buChar char="•"/>
+              <a:defRPr sz="2000" kern="1200">
+                <a:solidFill>
+                  <a:schemeClr val="tx1"/>
+                </a:solidFill>
+                <a:latin typeface="+mn-lt"/>
+                <a:ea typeface="+mn-ea"/>
+                <a:cs typeface="+mn-cs"/>
+              </a:defRPr>
+            </a:lvl3pPr>
+            <a:lvl4pPr marL="1600200" indent="-228600" algn="l" defTabSz="914400" rtl="0" eaLnBrk="1" latinLnBrk="0" hangingPunct="1">
+              <a:lnSpc>
+                <a:spcPct val="90000"/>
+              </a:lnSpc>
+              <a:spcBef>
+                <a:spcPts val="500"/>
+              </a:spcBef>
+              <a:buFont typeface="Arial" panose="020B0604020202020204" pitchFamily="34" charset="0"/>
+              <a:buChar char="•"/>
+              <a:defRPr sz="1800" kern="1200">
+                <a:solidFill>
+                  <a:schemeClr val="tx1"/>
+                </a:solidFill>
+                <a:latin typeface="+mn-lt"/>
+                <a:ea typeface="+mn-ea"/>
+                <a:cs typeface="+mn-cs"/>
+              </a:defRPr>
+            </a:lvl4pPr>
+            <a:lvl5pPr marL="2057400" indent="-228600" algn="l" defTabSz="914400" rtl="0" eaLnBrk="1" latinLnBrk="0" hangingPunct="1">
+              <a:lnSpc>
+                <a:spcPct val="90000"/>
+              </a:lnSpc>
+              <a:spcBef>
+                <a:spcPts val="500"/>
+              </a:spcBef>
+              <a:buFont typeface="Arial" panose="020B0604020202020204" pitchFamily="34" charset="0"/>
+              <a:buChar char="•"/>
+              <a:defRPr sz="1800" kern="1200">
+                <a:solidFill>
+                  <a:schemeClr val="tx1"/>
+                </a:solidFill>
+                <a:latin typeface="+mn-lt"/>
+                <a:ea typeface="+mn-ea"/>
+                <a:cs typeface="+mn-cs"/>
+              </a:defRPr>
+            </a:lvl5pPr>
+            <a:lvl6pPr marL="2514600" indent="-228600" algn="l" defTabSz="914400" rtl="0" eaLnBrk="1" latinLnBrk="0" hangingPunct="1">
+              <a:lnSpc>
+                <a:spcPct val="90000"/>
+              </a:lnSpc>
+              <a:spcBef>
+                <a:spcPts val="500"/>
+              </a:spcBef>
+              <a:buFont typeface="Arial" panose="020B0604020202020204" pitchFamily="34" charset="0"/>
+              <a:buChar char="•"/>
+              <a:defRPr sz="1800" kern="1200">
+                <a:solidFill>
+                  <a:schemeClr val="tx1"/>
+                </a:solidFill>
+                <a:latin typeface="+mn-lt"/>
+                <a:ea typeface="+mn-ea"/>
+                <a:cs typeface="+mn-cs"/>
+              </a:defRPr>
+            </a:lvl6pPr>
+            <a:lvl7pPr marL="2971800" indent="-228600" algn="l" defTabSz="914400" rtl="0" eaLnBrk="1" latinLnBrk="0" hangingPunct="1">
+              <a:lnSpc>
+                <a:spcPct val="90000"/>
+              </a:lnSpc>
+              <a:spcBef>
+                <a:spcPts val="500"/>
+              </a:spcBef>
+              <a:buFont typeface="Arial" panose="020B0604020202020204" pitchFamily="34" charset="0"/>
+              <a:buChar char="•"/>
+              <a:defRPr sz="1800" kern="1200">
+                <a:solidFill>
+                  <a:schemeClr val="tx1"/>
+                </a:solidFill>
+                <a:latin typeface="+mn-lt"/>
+                <a:ea typeface="+mn-ea"/>
+                <a:cs typeface="+mn-cs"/>
+              </a:defRPr>
+            </a:lvl7pPr>
+            <a:lvl8pPr marL="3429000" indent="-228600" algn="l" defTabSz="914400" rtl="0" eaLnBrk="1" latinLnBrk="0" hangingPunct="1">
+              <a:lnSpc>
+                <a:spcPct val="90000"/>
+              </a:lnSpc>
+              <a:spcBef>
+                <a:spcPts val="500"/>
+              </a:spcBef>
+              <a:buFont typeface="Arial" panose="020B0604020202020204" pitchFamily="34" charset="0"/>
+              <a:buChar char="•"/>
+              <a:defRPr sz="1800" kern="1200">
+                <a:solidFill>
+                  <a:schemeClr val="tx1"/>
+                </a:solidFill>
+                <a:latin typeface="+mn-lt"/>
+                <a:ea typeface="+mn-ea"/>
+                <a:cs typeface="+mn-cs"/>
+              </a:defRPr>
+            </a:lvl8pPr>
+            <a:lvl9pPr marL="3886200" indent="-228600" algn="l" defTabSz="914400" rtl="0" eaLnBrk="1" latinLnBrk="0" hangingPunct="1">
+              <a:lnSpc>
+                <a:spcPct val="90000"/>
+              </a:lnSpc>
+              <a:spcBef>
+                <a:spcPts val="500"/>
+              </a:spcBef>
+              <a:buFont typeface="Arial" panose="020B0604020202020204" pitchFamily="34" charset="0"/>
+              <a:buChar char="•"/>
+              <a:defRPr sz="1800" kern="1200">
+                <a:solidFill>
+                  <a:schemeClr val="tx1"/>
+                </a:solidFill>
+                <a:latin typeface="+mn-lt"/>
+                <a:ea typeface="+mn-ea"/>
+                <a:cs typeface="+mn-cs"/>
+              </a:defRPr>
+            </a:lvl9pPr>
+          </a:lstStyle>
+          <a:p>
+            <a:r>
+              <a:rPr lang="en-GB" dirty="0"/>
+              <a:t>Overwrite elements:</a:t>
+            </a:r>
+          </a:p>
+        </p:txBody>
+      </p:sp>
+      <p:sp>
+        <p:nvSpPr>
+          <p:cNvPr id="7" name="Textfeld 6">
+            <a:extLst>
+              <a:ext uri="{FF2B5EF4-FFF2-40B4-BE49-F238E27FC236}">
+                <a16:creationId xmlns:a16="http://schemas.microsoft.com/office/drawing/2014/main" id="{F7DEE1C1-C060-81E1-F488-BF1A9AFBC260}"/>
+              </a:ext>
+            </a:extLst>
+          </p:cNvPr>
+          <p:cNvSpPr txBox="1"/>
+          <p:nvPr/>
+        </p:nvSpPr>
+        <p:spPr>
+          <a:xfrm>
+            <a:off x="533054" y="4570639"/>
+            <a:ext cx="11373196" cy="405822"/>
+          </a:xfrm>
+          <a:prstGeom prst="rect">
+            <a:avLst/>
+          </a:prstGeom>
+          <a:solidFill>
+            <a:srgbClr val="011627"/>
+          </a:solidFill>
+        </p:spPr>
+        <p:txBody>
+          <a:bodyPr wrap="square" rtlCol="0">
+            <a:spAutoFit/>
+          </a:bodyPr>
+          <a:lstStyle/>
+          <a:p>
+            <a:endParaRPr lang="de-AT" dirty="0"/>
+          </a:p>
+        </p:txBody>
+      </p:sp>
+      <p:sp>
+        <p:nvSpPr>
+          <p:cNvPr id="9" name="Textfeld 8">
+            <a:extLst>
+              <a:ext uri="{FF2B5EF4-FFF2-40B4-BE49-F238E27FC236}">
+                <a16:creationId xmlns:a16="http://schemas.microsoft.com/office/drawing/2014/main" id="{7E09C3CF-AEEF-5195-7188-AD7C8D83781F}"/>
+              </a:ext>
+            </a:extLst>
+          </p:cNvPr>
+          <p:cNvSpPr txBox="1"/>
+          <p:nvPr/>
+        </p:nvSpPr>
+        <p:spPr>
+          <a:xfrm>
+            <a:off x="167640" y="4803279"/>
+            <a:ext cx="365414" cy="173182"/>
+          </a:xfrm>
+          <a:prstGeom prst="rect">
+            <a:avLst/>
+          </a:prstGeom>
+          <a:solidFill>
+            <a:srgbClr val="011627"/>
+          </a:solidFill>
+        </p:spPr>
+        <p:txBody>
+          <a:bodyPr wrap="square" rtlCol="0">
+            <a:spAutoFit/>
+          </a:bodyPr>
+          <a:lstStyle/>
+          <a:p>
+            <a:endParaRPr lang="de-AT" dirty="0"/>
+          </a:p>
+        </p:txBody>
+      </p:sp>
+    </p:spTree>
+    <p:extLst>
+      <p:ext uri="{BB962C8B-B14F-4D97-AF65-F5344CB8AC3E}">
+        <p14:creationId xmlns:p14="http://schemas.microsoft.com/office/powerpoint/2010/main" val="1967485356"/>
+      </p:ext>
+    </p:extLst>
+  </p:cSld>
+  <p:clrMapOvr>
+    <a:masterClrMapping/>
+  </p:clrMapOvr>
+</p:sld>
+</file>
+
+<file path=ppt/slides/slide13.xml><?xml version="1.0" encoding="utf-8"?>
+<p:sld xmlns:a="http://schemas.openxmlformats.org/drawingml/2006/main" xmlns:r="http://schemas.openxmlformats.org/officeDocument/2006/relationships" xmlns:p="http://schemas.openxmlformats.org/presentationml/2006/main">
+  <p:cSld>
+    <p:spTree>
+      <p:nvGrpSpPr>
+        <p:cNvPr id="1" name=""/>
+        <p:cNvGrpSpPr/>
+        <p:nvPr/>
+      </p:nvGrpSpPr>
+      <p:grpSpPr>
+        <a:xfrm>
+          <a:off x="0" y="0"/>
+          <a:ext cx="0" cy="0"/>
+          <a:chOff x="0" y="0"/>
+          <a:chExt cx="0" cy="0"/>
+        </a:xfrm>
+      </p:grpSpPr>
+      <p:sp>
+        <p:nvSpPr>
+          <p:cNvPr id="2" name="Titel 1">
+            <a:extLst>
+              <a:ext uri="{FF2B5EF4-FFF2-40B4-BE49-F238E27FC236}">
+                <a16:creationId xmlns:a16="http://schemas.microsoft.com/office/drawing/2014/main" id="{9E806E6E-CEFA-036A-85B0-3CB40294372B}"/>
+              </a:ext>
+            </a:extLst>
+          </p:cNvPr>
+          <p:cNvSpPr>
+            <a:spLocks noGrp="1"/>
+          </p:cNvSpPr>
+          <p:nvPr>
+            <p:ph type="title"/>
+          </p:nvPr>
+        </p:nvSpPr>
+        <p:spPr/>
+        <p:txBody>
+          <a:bodyPr/>
+          <a:lstStyle/>
+          <a:p>
+            <a:r>
+              <a:rPr lang="de-DE" dirty="0"/>
+              <a:t>Lists</a:t>
+            </a:r>
+            <a:endParaRPr lang="de-AT" dirty="0"/>
+          </a:p>
+        </p:txBody>
+      </p:sp>
+      <p:pic>
+        <p:nvPicPr>
+          <p:cNvPr id="3" name="Picture 8" descr="Quellbild anzeigen">
+            <a:extLst>
+              <a:ext uri="{FF2B5EF4-FFF2-40B4-BE49-F238E27FC236}">
+                <a16:creationId xmlns:a16="http://schemas.microsoft.com/office/drawing/2014/main" id="{5A4F110A-8ABC-6DA0-E06C-3D21BD532064}"/>
+              </a:ext>
+            </a:extLst>
+          </p:cNvPr>
+          <p:cNvPicPr>
+            <a:picLocks noChangeAspect="1" noChangeArrowheads="1"/>
+          </p:cNvPicPr>
+          <p:nvPr/>
+        </p:nvPicPr>
+        <p:blipFill>
+          <a:blip r:embed="rId2">
+            <a:extLst>
+              <a:ext uri="{28A0092B-C50C-407E-A947-70E740481C1C}">
+                <a14:useLocalDpi xmlns:a14="http://schemas.microsoft.com/office/drawing/2010/main" val="0"/>
+              </a:ext>
+            </a:extLst>
+          </a:blip>
+          <a:srcRect/>
+          <a:stretch>
+            <a:fillRect/>
+          </a:stretch>
+        </p:blipFill>
+        <p:spPr bwMode="auto">
+          <a:xfrm>
+            <a:off x="10437091" y="230904"/>
+            <a:ext cx="1469159" cy="1463509"/>
+          </a:xfrm>
+          <a:prstGeom prst="rect">
+            <a:avLst/>
+          </a:prstGeom>
+          <a:noFill/>
+          <a:extLst>
+            <a:ext uri="{909E8E84-426E-40DD-AFC4-6F175D3DCCD1}">
+              <a14:hiddenFill xmlns:a14="http://schemas.microsoft.com/office/drawing/2010/main">
+                <a:solidFill>
+                  <a:srgbClr val="FFFFFF"/>
+                </a:solidFill>
+              </a14:hiddenFill>
+            </a:ext>
+          </a:extLst>
+        </p:spPr>
+      </p:pic>
+      <p:pic>
+        <p:nvPicPr>
+          <p:cNvPr id="7" name="Grafik 6">
+            <a:extLst>
+              <a:ext uri="{FF2B5EF4-FFF2-40B4-BE49-F238E27FC236}">
+                <a16:creationId xmlns:a16="http://schemas.microsoft.com/office/drawing/2014/main" id="{F0F9C7D7-868C-035D-50F8-9989CE579F75}"/>
+              </a:ext>
+            </a:extLst>
+          </p:cNvPr>
+          <p:cNvPicPr>
+            <a:picLocks noChangeAspect="1"/>
+          </p:cNvPicPr>
+          <p:nvPr/>
+        </p:nvPicPr>
+        <p:blipFill rotWithShape="1">
+          <a:blip r:embed="rId3"/>
+          <a:srcRect r="750"/>
+          <a:stretch/>
+        </p:blipFill>
+        <p:spPr>
+          <a:xfrm>
+            <a:off x="60960" y="1355597"/>
+            <a:ext cx="12100560" cy="5472368"/>
+          </a:xfrm>
+          <a:prstGeom prst="rect">
+            <a:avLst/>
+          </a:prstGeom>
+        </p:spPr>
+      </p:pic>
+      <p:sp>
+        <p:nvSpPr>
+          <p:cNvPr id="8" name="Textfeld 7">
+            <a:extLst>
+              <a:ext uri="{FF2B5EF4-FFF2-40B4-BE49-F238E27FC236}">
+                <a16:creationId xmlns:a16="http://schemas.microsoft.com/office/drawing/2014/main" id="{DBFBD792-4AFF-B9FB-C1F3-3E2DE9B8DB03}"/>
+              </a:ext>
+            </a:extLst>
+          </p:cNvPr>
+          <p:cNvSpPr txBox="1"/>
+          <p:nvPr/>
+        </p:nvSpPr>
+        <p:spPr>
+          <a:xfrm>
+            <a:off x="7823200" y="2681160"/>
+            <a:ext cx="2976880" cy="830997"/>
+          </a:xfrm>
+          <a:prstGeom prst="rect">
+            <a:avLst/>
+          </a:prstGeom>
+          <a:noFill/>
+        </p:spPr>
+        <p:txBody>
+          <a:bodyPr wrap="square" rtlCol="0">
+            <a:spAutoFit/>
+          </a:bodyPr>
+          <a:lstStyle/>
+          <a:p>
+            <a:r>
+              <a:rPr lang="de-DE" sz="2400" dirty="0">
+                <a:solidFill>
+                  <a:schemeClr val="bg1"/>
+                </a:solidFill>
+              </a:rPr>
+              <a:t>different </a:t>
+            </a:r>
+            <a:r>
+              <a:rPr lang="de-DE" sz="2400" dirty="0" err="1">
+                <a:solidFill>
+                  <a:schemeClr val="bg1"/>
+                </a:solidFill>
+              </a:rPr>
+              <a:t>ways</a:t>
+            </a:r>
+            <a:r>
+              <a:rPr lang="de-DE" sz="2400" dirty="0">
+                <a:solidFill>
+                  <a:schemeClr val="bg1"/>
+                </a:solidFill>
+              </a:rPr>
+              <a:t> to </a:t>
+            </a:r>
+            <a:r>
+              <a:rPr lang="de-DE" sz="2400" dirty="0" err="1">
+                <a:solidFill>
+                  <a:schemeClr val="bg1"/>
+                </a:solidFill>
+              </a:rPr>
+              <a:t>add</a:t>
+            </a:r>
+            <a:r>
+              <a:rPr lang="de-DE" sz="2400" dirty="0">
+                <a:solidFill>
+                  <a:schemeClr val="bg1"/>
+                </a:solidFill>
+              </a:rPr>
+              <a:t> </a:t>
+            </a:r>
+            <a:r>
+              <a:rPr lang="de-DE" sz="2400" dirty="0" err="1">
+                <a:solidFill>
+                  <a:schemeClr val="bg1"/>
+                </a:solidFill>
+              </a:rPr>
+              <a:t>elements</a:t>
+            </a:r>
+            <a:r>
+              <a:rPr lang="de-DE" sz="2400" dirty="0">
+                <a:solidFill>
+                  <a:schemeClr val="bg1"/>
+                </a:solidFill>
+              </a:rPr>
+              <a:t> to a </a:t>
+            </a:r>
+            <a:r>
+              <a:rPr lang="de-DE" sz="2400" dirty="0" err="1">
+                <a:solidFill>
+                  <a:schemeClr val="bg1"/>
+                </a:solidFill>
+              </a:rPr>
+              <a:t>list</a:t>
+            </a:r>
+            <a:endParaRPr lang="de-AT" sz="2400" dirty="0">
+              <a:solidFill>
+                <a:schemeClr val="bg1"/>
+              </a:solidFill>
+            </a:endParaRPr>
+          </a:p>
+        </p:txBody>
+      </p:sp>
+      <p:sp>
+        <p:nvSpPr>
+          <p:cNvPr id="9" name="Textfeld 8">
+            <a:extLst>
+              <a:ext uri="{FF2B5EF4-FFF2-40B4-BE49-F238E27FC236}">
+                <a16:creationId xmlns:a16="http://schemas.microsoft.com/office/drawing/2014/main" id="{DC0F2D17-10CC-BE87-6525-BA69CB6BF70B}"/>
+              </a:ext>
+            </a:extLst>
+          </p:cNvPr>
+          <p:cNvSpPr txBox="1"/>
+          <p:nvPr/>
+        </p:nvSpPr>
+        <p:spPr>
+          <a:xfrm>
+            <a:off x="426374" y="5635415"/>
+            <a:ext cx="11704666" cy="405822"/>
+          </a:xfrm>
+          <a:prstGeom prst="rect">
+            <a:avLst/>
+          </a:prstGeom>
+          <a:solidFill>
+            <a:srgbClr val="011627"/>
+          </a:solidFill>
+        </p:spPr>
+        <p:txBody>
+          <a:bodyPr wrap="square" rtlCol="0">
+            <a:spAutoFit/>
+          </a:bodyPr>
+          <a:lstStyle/>
+          <a:p>
+            <a:endParaRPr lang="de-AT" dirty="0"/>
+          </a:p>
+        </p:txBody>
+      </p:sp>
+      <p:sp>
+        <p:nvSpPr>
+          <p:cNvPr id="10" name="Textfeld 9">
+            <a:extLst>
+              <a:ext uri="{FF2B5EF4-FFF2-40B4-BE49-F238E27FC236}">
+                <a16:creationId xmlns:a16="http://schemas.microsoft.com/office/drawing/2014/main" id="{134D8C7D-86A8-1036-CBD1-11491F33D058}"/>
+              </a:ext>
+            </a:extLst>
+          </p:cNvPr>
+          <p:cNvSpPr txBox="1"/>
+          <p:nvPr/>
+        </p:nvSpPr>
+        <p:spPr>
+          <a:xfrm>
+            <a:off x="60960" y="5838326"/>
+            <a:ext cx="365414" cy="173182"/>
+          </a:xfrm>
+          <a:prstGeom prst="rect">
+            <a:avLst/>
+          </a:prstGeom>
+          <a:solidFill>
+            <a:srgbClr val="011627"/>
+          </a:solidFill>
+        </p:spPr>
+        <p:txBody>
+          <a:bodyPr wrap="square" rtlCol="0">
+            <a:spAutoFit/>
+          </a:bodyPr>
+          <a:lstStyle/>
+          <a:p>
+            <a:endParaRPr lang="de-AT" dirty="0"/>
+          </a:p>
+        </p:txBody>
+      </p:sp>
+    </p:spTree>
+    <p:extLst>
+      <p:ext uri="{BB962C8B-B14F-4D97-AF65-F5344CB8AC3E}">
+        <p14:creationId xmlns:p14="http://schemas.microsoft.com/office/powerpoint/2010/main" val="121213156"/>
+      </p:ext>
+    </p:extLst>
+  </p:cSld>
+  <p:clrMapOvr>
+    <a:masterClrMapping/>
+  </p:clrMapOvr>
+</p:sld>
+</file>
+
+<file path=ppt/slides/slide14.xml><?xml version="1.0" encoding="utf-8"?>
+<p:sld xmlns:a="http://schemas.openxmlformats.org/drawingml/2006/main" xmlns:r="http://schemas.openxmlformats.org/officeDocument/2006/relationships" xmlns:p="http://schemas.openxmlformats.org/presentationml/2006/main">
+  <p:cSld>
+    <p:spTree>
+      <p:nvGrpSpPr>
+        <p:cNvPr id="1" name=""/>
+        <p:cNvGrpSpPr/>
+        <p:nvPr/>
+      </p:nvGrpSpPr>
+      <p:grpSpPr>
+        <a:xfrm>
+          <a:off x="0" y="0"/>
+          <a:ext cx="0" cy="0"/>
+          <a:chOff x="0" y="0"/>
+          <a:chExt cx="0" cy="0"/>
+        </a:xfrm>
+      </p:grpSpPr>
+      <p:sp>
+        <p:nvSpPr>
+          <p:cNvPr id="2" name="Titel 1">
+            <a:extLst>
+              <a:ext uri="{FF2B5EF4-FFF2-40B4-BE49-F238E27FC236}">
                 <a16:creationId xmlns:a16="http://schemas.microsoft.com/office/drawing/2014/main" id="{E9457063-9368-47CE-A8B3-09EC7E9C3FC2}"/>
               </a:ext>
             </a:extLst>
@@ -4109,7 +5059,7 @@
 </p:sld>
 </file>
 
-<file path=ppt/slides/slide12.xml><?xml version="1.0" encoding="utf-8"?>
+<file path=ppt/slides/slide15.xml><?xml version="1.0" encoding="utf-8"?>
 <p:sld xmlns:a="http://schemas.openxmlformats.org/drawingml/2006/main" xmlns:r="http://schemas.openxmlformats.org/officeDocument/2006/relationships" xmlns:p="http://schemas.openxmlformats.org/presentationml/2006/main">
   <p:cSld>
     <p:spTree>
@@ -4153,7 +5103,7 @@
             </a:r>
             <a:r>
               <a:rPr lang="de-DE" dirty="0"/>
-              <a:t> … Else</a:t>
+              <a:t> … Else … Elif</a:t>
             </a:r>
             <a:endParaRPr lang="de-AT" dirty="0"/>
           </a:p>
@@ -4175,16 +5125,85 @@
             <p:ph idx="1"/>
           </p:nvPr>
         </p:nvSpPr>
-        <p:spPr/>
+        <p:spPr>
+          <a:xfrm>
+            <a:off x="838200" y="1824909"/>
+            <a:ext cx="10515600" cy="4104120"/>
+          </a:xfrm>
+        </p:spPr>
         <p:txBody>
           <a:bodyPr/>
           <a:lstStyle/>
           <a:p>
             <a:r>
-              <a:rPr lang="de-DE" dirty="0" err="1"/>
-              <a:t>indentation</a:t>
-            </a:r>
-            <a:endParaRPr lang="de-AT" dirty="0"/>
+              <a:rPr lang="en-GB" dirty="0"/>
+              <a:t>Indentation</a:t>
+            </a:r>
+          </a:p>
+          <a:p>
+            <a:pPr lvl="1"/>
+            <a:r>
+              <a:rPr lang="en-GB" dirty="0"/>
+              <a:t>whitespace at the beginning of the line – otherwise you will get an error</a:t>
+            </a:r>
+          </a:p>
+          <a:p>
+            <a:pPr lvl="1"/>
+            <a:r>
+              <a:rPr lang="en-GB" dirty="0"/>
+              <a:t>(other languages often use curly-brackets { } instead)</a:t>
+            </a:r>
+          </a:p>
+          <a:p>
+            <a:r>
+              <a:rPr lang="en-GB" dirty="0" err="1"/>
+              <a:t>Elif</a:t>
+            </a:r>
+            <a:endParaRPr lang="en-GB" dirty="0"/>
+          </a:p>
+          <a:p>
+            <a:pPr lvl="1"/>
+            <a:r>
+              <a:rPr lang="en-GB" dirty="0"/>
+              <a:t>„if the previous condition was false, then try this one“</a:t>
+            </a:r>
+          </a:p>
+          <a:p>
+            <a:pPr lvl="1"/>
+            <a:r>
+              <a:rPr lang="en-GB" dirty="0"/>
+              <a:t>can be used between if and else if you want to check more conditions</a:t>
+            </a:r>
+          </a:p>
+          <a:p>
+            <a:pPr lvl="1"/>
+            <a:r>
+              <a:rPr lang="en-GB" dirty="0"/>
+              <a:t>in Java </a:t>
+            </a:r>
+            <a:r>
+              <a:rPr lang="en-GB" dirty="0">
+                <a:sym typeface="Wingdings" panose="05000000000000000000" pitchFamily="2" charset="2"/>
+              </a:rPr>
+              <a:t> else if</a:t>
+            </a:r>
+          </a:p>
+          <a:p>
+            <a:r>
+              <a:rPr lang="en-GB" dirty="0">
+                <a:sym typeface="Wingdings" panose="05000000000000000000" pitchFamily="2" charset="2"/>
+              </a:rPr>
+              <a:t>Else</a:t>
+            </a:r>
+          </a:p>
+          <a:p>
+            <a:pPr lvl="1"/>
+            <a:r>
+              <a:rPr lang="en-GB" dirty="0">
+                <a:sym typeface="Wingdings" panose="05000000000000000000" pitchFamily="2" charset="2"/>
+              </a:rPr>
+              <a:t>catches anything which isn‘t caught by the previous conditions</a:t>
+            </a:r>
           </a:p>
         </p:txBody>
       </p:sp>
@@ -4239,6 +5258,805 @@
     <p:extLst>
       <p:ext uri="{BB962C8B-B14F-4D97-AF65-F5344CB8AC3E}">
         <p14:creationId xmlns:p14="http://schemas.microsoft.com/office/powerpoint/2010/main" val="2794616296"/>
+      </p:ext>
+    </p:extLst>
+  </p:cSld>
+  <p:clrMapOvr>
+    <a:masterClrMapping/>
+  </p:clrMapOvr>
+</p:sld>
+</file>
+
+<file path=ppt/slides/slide16.xml><?xml version="1.0" encoding="utf-8"?>
+<p:sld xmlns:a="http://schemas.openxmlformats.org/drawingml/2006/main" xmlns:r="http://schemas.openxmlformats.org/officeDocument/2006/relationships" xmlns:p="http://schemas.openxmlformats.org/presentationml/2006/main">
+  <p:cSld>
+    <p:spTree>
+      <p:nvGrpSpPr>
+        <p:cNvPr id="1" name=""/>
+        <p:cNvGrpSpPr/>
+        <p:nvPr/>
+      </p:nvGrpSpPr>
+      <p:grpSpPr>
+        <a:xfrm>
+          <a:off x="0" y="0"/>
+          <a:ext cx="0" cy="0"/>
+          <a:chOff x="0" y="0"/>
+          <a:chExt cx="0" cy="0"/>
+        </a:xfrm>
+      </p:grpSpPr>
+      <p:sp>
+        <p:nvSpPr>
+          <p:cNvPr id="2" name="Titel 1">
+            <a:extLst>
+              <a:ext uri="{FF2B5EF4-FFF2-40B4-BE49-F238E27FC236}">
+                <a16:creationId xmlns:a16="http://schemas.microsoft.com/office/drawing/2014/main" id="{E9457063-9368-47CE-A8B3-09EC7E9C3FC2}"/>
+              </a:ext>
+            </a:extLst>
+          </p:cNvPr>
+          <p:cNvSpPr>
+            <a:spLocks noGrp="1"/>
+          </p:cNvSpPr>
+          <p:nvPr>
+            <p:ph type="title"/>
+          </p:nvPr>
+        </p:nvSpPr>
+        <p:spPr/>
+        <p:txBody>
+          <a:bodyPr/>
+          <a:lstStyle/>
+          <a:p>
+            <a:r>
+              <a:rPr lang="de-DE" dirty="0" err="1"/>
+              <a:t>If</a:t>
+            </a:r>
+            <a:r>
+              <a:rPr lang="de-DE" dirty="0"/>
+              <a:t> … Else … Elif</a:t>
+            </a:r>
+            <a:endParaRPr lang="de-AT" dirty="0"/>
+          </a:p>
+        </p:txBody>
+      </p:sp>
+      <p:sp>
+        <p:nvSpPr>
+          <p:cNvPr id="3" name="Inhaltsplatzhalter 2">
+            <a:extLst>
+              <a:ext uri="{FF2B5EF4-FFF2-40B4-BE49-F238E27FC236}">
+                <a16:creationId xmlns:a16="http://schemas.microsoft.com/office/drawing/2014/main" id="{C5F3F361-1F19-873B-A949-4B2722215D9B}"/>
+              </a:ext>
+            </a:extLst>
+          </p:cNvPr>
+          <p:cNvSpPr>
+            <a:spLocks noGrp="1"/>
+          </p:cNvSpPr>
+          <p:nvPr>
+            <p:ph idx="1"/>
+          </p:nvPr>
+        </p:nvSpPr>
+        <p:spPr>
+          <a:xfrm>
+            <a:off x="838200" y="1824909"/>
+            <a:ext cx="10515600" cy="4353502"/>
+          </a:xfrm>
+        </p:spPr>
+        <p:txBody>
+          <a:bodyPr/>
+          <a:lstStyle/>
+          <a:p>
+            <a:r>
+              <a:rPr lang="en-GB" dirty="0">
+                <a:sym typeface="Wingdings" panose="05000000000000000000" pitchFamily="2" charset="2"/>
+              </a:rPr>
+              <a:t>Short Hand If</a:t>
+            </a:r>
+          </a:p>
+          <a:p>
+            <a:pPr lvl="1"/>
+            <a:r>
+              <a:rPr lang="en-US" dirty="0"/>
+              <a:t>If you have only one statement to execute, you can put it on the same line as the if statement</a:t>
+            </a:r>
+          </a:p>
+          <a:p>
+            <a:pPr lvl="1"/>
+            <a:r>
+              <a:rPr lang="en-US" dirty="0">
+                <a:sym typeface="Wingdings" panose="05000000000000000000" pitchFamily="2" charset="2"/>
+              </a:rPr>
+              <a:t>Example: if a &gt; b: print(“a is greater than b”)</a:t>
+            </a:r>
+          </a:p>
+          <a:p>
+            <a:r>
+              <a:rPr lang="en-US" dirty="0">
+                <a:sym typeface="Wingdings" panose="05000000000000000000" pitchFamily="2" charset="2"/>
+              </a:rPr>
+              <a:t>Short Hand If … Else</a:t>
+            </a:r>
+          </a:p>
+          <a:p>
+            <a:pPr lvl="1"/>
+            <a:r>
+              <a:rPr lang="en-US" dirty="0"/>
+              <a:t>If you have only one statement to execute, one for if, and one for else, you can put it all on the same line</a:t>
+            </a:r>
+          </a:p>
+          <a:p>
+            <a:pPr lvl="1"/>
+            <a:r>
+              <a:rPr lang="en-US" dirty="0">
+                <a:sym typeface="Wingdings" panose="05000000000000000000" pitchFamily="2" charset="2"/>
+              </a:rPr>
+              <a:t>Example: print(“A”) if a &gt; b else print(“B”)</a:t>
+            </a:r>
+          </a:p>
+          <a:p>
+            <a:pPr lvl="1"/>
+            <a:r>
+              <a:rPr lang="en-US" dirty="0">
+                <a:sym typeface="Wingdings" panose="05000000000000000000" pitchFamily="2" charset="2"/>
+              </a:rPr>
+              <a:t>You can also have multiple else statements in one line:</a:t>
+            </a:r>
+          </a:p>
+          <a:p>
+            <a:pPr marL="457200" lvl="1" indent="0">
+              <a:buNone/>
+            </a:pPr>
+            <a:r>
+              <a:rPr lang="en-US" dirty="0">
+                <a:sym typeface="Wingdings" panose="05000000000000000000" pitchFamily="2" charset="2"/>
+              </a:rPr>
+              <a:t>   print(“A) if a &gt; b else print(“=“) if a == b else print(“B)</a:t>
+            </a:r>
+          </a:p>
+        </p:txBody>
+      </p:sp>
+      <p:pic>
+        <p:nvPicPr>
+          <p:cNvPr id="4" name="Picture 8" descr="Quellbild anzeigen">
+            <a:extLst>
+              <a:ext uri="{FF2B5EF4-FFF2-40B4-BE49-F238E27FC236}">
+                <a16:creationId xmlns:a16="http://schemas.microsoft.com/office/drawing/2014/main" id="{A1CB693A-A663-5100-0A7C-6DE87B02B98E}"/>
+              </a:ext>
+            </a:extLst>
+          </p:cNvPr>
+          <p:cNvPicPr>
+            <a:picLocks noChangeAspect="1" noChangeArrowheads="1"/>
+          </p:cNvPicPr>
+          <p:nvPr/>
+        </p:nvPicPr>
+        <p:blipFill>
+          <a:blip r:embed="rId2">
+            <a:extLst>
+              <a:ext uri="{28A0092B-C50C-407E-A947-70E740481C1C}">
+                <a14:useLocalDpi xmlns:a14="http://schemas.microsoft.com/office/drawing/2010/main" val="0"/>
+              </a:ext>
+            </a:extLst>
+          </a:blip>
+          <a:srcRect/>
+          <a:stretch>
+            <a:fillRect/>
+          </a:stretch>
+        </p:blipFill>
+        <p:spPr bwMode="auto">
+          <a:xfrm>
+            <a:off x="10437091" y="230904"/>
+            <a:ext cx="1469159" cy="1463509"/>
+          </a:xfrm>
+          <a:prstGeom prst="rect">
+            <a:avLst/>
+          </a:prstGeom>
+          <a:noFill/>
+          <a:extLst>
+            <a:ext uri="{909E8E84-426E-40DD-AFC4-6F175D3DCCD1}">
+              <a14:hiddenFill xmlns:a14="http://schemas.microsoft.com/office/drawing/2010/main">
+                <a:solidFill>
+                  <a:srgbClr val="FFFFFF"/>
+                </a:solidFill>
+              </a14:hiddenFill>
+            </a:ext>
+          </a:extLst>
+        </p:spPr>
+      </p:pic>
+    </p:spTree>
+    <p:extLst>
+      <p:ext uri="{BB962C8B-B14F-4D97-AF65-F5344CB8AC3E}">
+        <p14:creationId xmlns:p14="http://schemas.microsoft.com/office/powerpoint/2010/main" val="2617061268"/>
+      </p:ext>
+    </p:extLst>
+  </p:cSld>
+  <p:clrMapOvr>
+    <a:masterClrMapping/>
+  </p:clrMapOvr>
+</p:sld>
+</file>
+
+<file path=ppt/slides/slide17.xml><?xml version="1.0" encoding="utf-8"?>
+<p:sld xmlns:a="http://schemas.openxmlformats.org/drawingml/2006/main" xmlns:r="http://schemas.openxmlformats.org/officeDocument/2006/relationships" xmlns:p="http://schemas.openxmlformats.org/presentationml/2006/main">
+  <p:cSld>
+    <p:spTree>
+      <p:nvGrpSpPr>
+        <p:cNvPr id="1" name=""/>
+        <p:cNvGrpSpPr/>
+        <p:nvPr/>
+      </p:nvGrpSpPr>
+      <p:grpSpPr>
+        <a:xfrm>
+          <a:off x="0" y="0"/>
+          <a:ext cx="0" cy="0"/>
+          <a:chOff x="0" y="0"/>
+          <a:chExt cx="0" cy="0"/>
+        </a:xfrm>
+      </p:grpSpPr>
+      <p:sp>
+        <p:nvSpPr>
+          <p:cNvPr id="2" name="Titel 1">
+            <a:extLst>
+              <a:ext uri="{FF2B5EF4-FFF2-40B4-BE49-F238E27FC236}">
+                <a16:creationId xmlns:a16="http://schemas.microsoft.com/office/drawing/2014/main" id="{E9457063-9368-47CE-A8B3-09EC7E9C3FC2}"/>
+              </a:ext>
+            </a:extLst>
+          </p:cNvPr>
+          <p:cNvSpPr>
+            <a:spLocks noGrp="1"/>
+          </p:cNvSpPr>
+          <p:nvPr>
+            <p:ph type="title"/>
+          </p:nvPr>
+        </p:nvSpPr>
+        <p:spPr/>
+        <p:txBody>
+          <a:bodyPr/>
+          <a:lstStyle/>
+          <a:p>
+            <a:r>
+              <a:rPr lang="de-DE" dirty="0" err="1"/>
+              <a:t>If</a:t>
+            </a:r>
+            <a:r>
+              <a:rPr lang="de-DE" dirty="0"/>
+              <a:t> … Else … Elif</a:t>
+            </a:r>
+            <a:endParaRPr lang="de-AT" dirty="0"/>
+          </a:p>
+        </p:txBody>
+      </p:sp>
+      <p:pic>
+        <p:nvPicPr>
+          <p:cNvPr id="4" name="Picture 8" descr="Quellbild anzeigen">
+            <a:extLst>
+              <a:ext uri="{FF2B5EF4-FFF2-40B4-BE49-F238E27FC236}">
+                <a16:creationId xmlns:a16="http://schemas.microsoft.com/office/drawing/2014/main" id="{A1CB693A-A663-5100-0A7C-6DE87B02B98E}"/>
+              </a:ext>
+            </a:extLst>
+          </p:cNvPr>
+          <p:cNvPicPr>
+            <a:picLocks noChangeAspect="1" noChangeArrowheads="1"/>
+          </p:cNvPicPr>
+          <p:nvPr/>
+        </p:nvPicPr>
+        <p:blipFill>
+          <a:blip r:embed="rId2">
+            <a:extLst>
+              <a:ext uri="{28A0092B-C50C-407E-A947-70E740481C1C}">
+                <a14:useLocalDpi xmlns:a14="http://schemas.microsoft.com/office/drawing/2010/main" val="0"/>
+              </a:ext>
+            </a:extLst>
+          </a:blip>
+          <a:srcRect/>
+          <a:stretch>
+            <a:fillRect/>
+          </a:stretch>
+        </p:blipFill>
+        <p:spPr bwMode="auto">
+          <a:xfrm>
+            <a:off x="10437091" y="230904"/>
+            <a:ext cx="1469159" cy="1463509"/>
+          </a:xfrm>
+          <a:prstGeom prst="rect">
+            <a:avLst/>
+          </a:prstGeom>
+          <a:noFill/>
+          <a:extLst>
+            <a:ext uri="{909E8E84-426E-40DD-AFC4-6F175D3DCCD1}">
+              <a14:hiddenFill xmlns:a14="http://schemas.microsoft.com/office/drawing/2010/main">
+                <a:solidFill>
+                  <a:srgbClr val="FFFFFF"/>
+                </a:solidFill>
+              </a14:hiddenFill>
+            </a:ext>
+          </a:extLst>
+        </p:spPr>
+      </p:pic>
+      <p:pic>
+        <p:nvPicPr>
+          <p:cNvPr id="6" name="Grafik 5">
+            <a:extLst>
+              <a:ext uri="{FF2B5EF4-FFF2-40B4-BE49-F238E27FC236}">
+                <a16:creationId xmlns:a16="http://schemas.microsoft.com/office/drawing/2014/main" id="{5B64CBDA-7730-9382-E61A-6A5958BEA991}"/>
+              </a:ext>
+            </a:extLst>
+          </p:cNvPr>
+          <p:cNvPicPr>
+            <a:picLocks noChangeAspect="1"/>
+          </p:cNvPicPr>
+          <p:nvPr/>
+        </p:nvPicPr>
+        <p:blipFill>
+          <a:blip r:embed="rId3"/>
+          <a:stretch>
+            <a:fillRect/>
+          </a:stretch>
+        </p:blipFill>
+        <p:spPr>
+          <a:xfrm>
+            <a:off x="2862262" y="1318780"/>
+            <a:ext cx="6467475" cy="5400675"/>
+          </a:xfrm>
+          <a:prstGeom prst="rect">
+            <a:avLst/>
+          </a:prstGeom>
+        </p:spPr>
+      </p:pic>
+    </p:spTree>
+    <p:extLst>
+      <p:ext uri="{BB962C8B-B14F-4D97-AF65-F5344CB8AC3E}">
+        <p14:creationId xmlns:p14="http://schemas.microsoft.com/office/powerpoint/2010/main" val="2387059072"/>
+      </p:ext>
+    </p:extLst>
+  </p:cSld>
+  <p:clrMapOvr>
+    <a:masterClrMapping/>
+  </p:clrMapOvr>
+</p:sld>
+</file>
+
+<file path=ppt/slides/slide18.xml><?xml version="1.0" encoding="utf-8"?>
+<p:sld xmlns:a="http://schemas.openxmlformats.org/drawingml/2006/main" xmlns:r="http://schemas.openxmlformats.org/officeDocument/2006/relationships" xmlns:p="http://schemas.openxmlformats.org/presentationml/2006/main">
+  <p:cSld>
+    <p:spTree>
+      <p:nvGrpSpPr>
+        <p:cNvPr id="1" name=""/>
+        <p:cNvGrpSpPr/>
+        <p:nvPr/>
+      </p:nvGrpSpPr>
+      <p:grpSpPr>
+        <a:xfrm>
+          <a:off x="0" y="0"/>
+          <a:ext cx="0" cy="0"/>
+          <a:chOff x="0" y="0"/>
+          <a:chExt cx="0" cy="0"/>
+        </a:xfrm>
+      </p:grpSpPr>
+      <p:sp>
+        <p:nvSpPr>
+          <p:cNvPr id="2" name="Titel 1">
+            <a:extLst>
+              <a:ext uri="{FF2B5EF4-FFF2-40B4-BE49-F238E27FC236}">
+                <a16:creationId xmlns:a16="http://schemas.microsoft.com/office/drawing/2014/main" id="{E9457063-9368-47CE-A8B3-09EC7E9C3FC2}"/>
+              </a:ext>
+            </a:extLst>
+          </p:cNvPr>
+          <p:cNvSpPr>
+            <a:spLocks noGrp="1"/>
+          </p:cNvSpPr>
+          <p:nvPr>
+            <p:ph type="title"/>
+          </p:nvPr>
+        </p:nvSpPr>
+        <p:spPr/>
+        <p:txBody>
+          <a:bodyPr/>
+          <a:lstStyle/>
+          <a:p>
+            <a:r>
+              <a:rPr lang="de-DE" dirty="0" err="1"/>
+              <a:t>While</a:t>
+            </a:r>
+            <a:r>
+              <a:rPr lang="de-DE" dirty="0"/>
+              <a:t> Loop</a:t>
+            </a:r>
+            <a:endParaRPr lang="de-AT" dirty="0"/>
+          </a:p>
+        </p:txBody>
+      </p:sp>
+      <p:sp>
+        <p:nvSpPr>
+          <p:cNvPr id="3" name="Inhaltsplatzhalter 2">
+            <a:extLst>
+              <a:ext uri="{FF2B5EF4-FFF2-40B4-BE49-F238E27FC236}">
+                <a16:creationId xmlns:a16="http://schemas.microsoft.com/office/drawing/2014/main" id="{C5F3F361-1F19-873B-A949-4B2722215D9B}"/>
+              </a:ext>
+            </a:extLst>
+          </p:cNvPr>
+          <p:cNvSpPr>
+            <a:spLocks noGrp="1"/>
+          </p:cNvSpPr>
+          <p:nvPr>
+            <p:ph idx="1"/>
+          </p:nvPr>
+        </p:nvSpPr>
+        <p:spPr>
+          <a:xfrm>
+            <a:off x="838200" y="1492398"/>
+            <a:ext cx="10515600" cy="5231675"/>
+          </a:xfrm>
+        </p:spPr>
+        <p:txBody>
+          <a:bodyPr>
+            <a:normAutofit/>
+          </a:bodyPr>
+          <a:lstStyle/>
+          <a:p>
+            <a:r>
+              <a:rPr lang="en-GB" dirty="0">
+                <a:sym typeface="Wingdings" panose="05000000000000000000" pitchFamily="2" charset="2"/>
+              </a:rPr>
+              <a:t>Loop head</a:t>
+            </a:r>
+          </a:p>
+          <a:p>
+            <a:r>
+              <a:rPr lang="en-GB" dirty="0">
+                <a:sym typeface="Wingdings" panose="05000000000000000000" pitchFamily="2" charset="2"/>
+              </a:rPr>
+              <a:t>Loop body - </a:t>
+            </a:r>
+            <a:r>
+              <a:rPr lang="en-US" dirty="0">
+                <a:sym typeface="Wingdings" panose="05000000000000000000" pitchFamily="2" charset="2"/>
+              </a:rPr>
+              <a:t>indented below the head</a:t>
+            </a:r>
+          </a:p>
+          <a:p>
+            <a:r>
+              <a:rPr lang="en-US" dirty="0">
+                <a:sym typeface="Wingdings" panose="05000000000000000000" pitchFamily="2" charset="2"/>
+              </a:rPr>
+              <a:t>Difference to if-statement: the condition in the loop head decides not only whether the loop body is executed, but also for how long in succession</a:t>
+            </a:r>
+          </a:p>
+          <a:p>
+            <a:r>
+              <a:rPr lang="en-US" dirty="0">
+                <a:sym typeface="Wingdings" panose="05000000000000000000" pitchFamily="2" charset="2"/>
+              </a:rPr>
+              <a:t>in the first step it is checked whether the condition is true - if so, the loop body is executed. Next, the loop head is checked again if it is true. The loop continues until the condition is false.</a:t>
+            </a:r>
+          </a:p>
+          <a:p>
+            <a:r>
+              <a:rPr lang="en-US" dirty="0">
+                <a:sym typeface="Wingdings" panose="05000000000000000000" pitchFamily="2" charset="2"/>
+              </a:rPr>
+              <a:t>Endless loop = a loop that can never return false</a:t>
+            </a:r>
+          </a:p>
+          <a:p>
+            <a:r>
+              <a:rPr lang="en-US" dirty="0">
+                <a:sym typeface="Wingdings" panose="05000000000000000000" pitchFamily="2" charset="2"/>
+              </a:rPr>
+              <a:t>to prevent this, </a:t>
+            </a:r>
+            <a:r>
+              <a:rPr lang="en-US" dirty="0" err="1">
+                <a:solidFill>
+                  <a:srgbClr val="3571A3"/>
+                </a:solidFill>
+                <a:latin typeface="Times New Roman" panose="02020603050405020304" pitchFamily="18" charset="0"/>
+                <a:cs typeface="Times New Roman" panose="02020603050405020304" pitchFamily="18" charset="0"/>
+                <a:sym typeface="Wingdings" panose="05000000000000000000" pitchFamily="2" charset="2"/>
+              </a:rPr>
+              <a:t>i</a:t>
+            </a:r>
+            <a:r>
+              <a:rPr lang="en-US" dirty="0">
+                <a:sym typeface="Wingdings" panose="05000000000000000000" pitchFamily="2" charset="2"/>
+              </a:rPr>
+              <a:t> must be incremented</a:t>
+            </a:r>
+          </a:p>
+          <a:p>
+            <a:r>
+              <a:rPr lang="en-US" dirty="0">
+                <a:sym typeface="Wingdings" panose="05000000000000000000" pitchFamily="2" charset="2"/>
+              </a:rPr>
+              <a:t>Any number of instructions can be in the loop body</a:t>
+            </a:r>
+            <a:r>
+              <a:rPr lang="en-GB" dirty="0">
+                <a:sym typeface="Wingdings" panose="05000000000000000000" pitchFamily="2" charset="2"/>
+              </a:rPr>
+              <a:t>.</a:t>
+            </a:r>
+          </a:p>
+        </p:txBody>
+      </p:sp>
+      <p:pic>
+        <p:nvPicPr>
+          <p:cNvPr id="4" name="Picture 8" descr="Quellbild anzeigen">
+            <a:extLst>
+              <a:ext uri="{FF2B5EF4-FFF2-40B4-BE49-F238E27FC236}">
+                <a16:creationId xmlns:a16="http://schemas.microsoft.com/office/drawing/2014/main" id="{A1CB693A-A663-5100-0A7C-6DE87B02B98E}"/>
+              </a:ext>
+            </a:extLst>
+          </p:cNvPr>
+          <p:cNvPicPr>
+            <a:picLocks noChangeAspect="1" noChangeArrowheads="1"/>
+          </p:cNvPicPr>
+          <p:nvPr/>
+        </p:nvPicPr>
+        <p:blipFill>
+          <a:blip r:embed="rId2">
+            <a:extLst>
+              <a:ext uri="{28A0092B-C50C-407E-A947-70E740481C1C}">
+                <a14:useLocalDpi xmlns:a14="http://schemas.microsoft.com/office/drawing/2010/main" val="0"/>
+              </a:ext>
+            </a:extLst>
+          </a:blip>
+          <a:srcRect/>
+          <a:stretch>
+            <a:fillRect/>
+          </a:stretch>
+        </p:blipFill>
+        <p:spPr bwMode="auto">
+          <a:xfrm>
+            <a:off x="10437091" y="230904"/>
+            <a:ext cx="1469159" cy="1463509"/>
+          </a:xfrm>
+          <a:prstGeom prst="rect">
+            <a:avLst/>
+          </a:prstGeom>
+          <a:noFill/>
+          <a:extLst>
+            <a:ext uri="{909E8E84-426E-40DD-AFC4-6F175D3DCCD1}">
+              <a14:hiddenFill xmlns:a14="http://schemas.microsoft.com/office/drawing/2010/main">
+                <a:solidFill>
+                  <a:srgbClr val="FFFFFF"/>
+                </a:solidFill>
+              </a14:hiddenFill>
+            </a:ext>
+          </a:extLst>
+        </p:spPr>
+      </p:pic>
+    </p:spTree>
+    <p:extLst>
+      <p:ext uri="{BB962C8B-B14F-4D97-AF65-F5344CB8AC3E}">
+        <p14:creationId xmlns:p14="http://schemas.microsoft.com/office/powerpoint/2010/main" val="1808550507"/>
+      </p:ext>
+    </p:extLst>
+  </p:cSld>
+  <p:clrMapOvr>
+    <a:masterClrMapping/>
+  </p:clrMapOvr>
+</p:sld>
+</file>
+
+<file path=ppt/slides/slide19.xml><?xml version="1.0" encoding="utf-8"?>
+<p:sld xmlns:a="http://schemas.openxmlformats.org/drawingml/2006/main" xmlns:r="http://schemas.openxmlformats.org/officeDocument/2006/relationships" xmlns:p="http://schemas.openxmlformats.org/presentationml/2006/main">
+  <p:cSld>
+    <p:spTree>
+      <p:nvGrpSpPr>
+        <p:cNvPr id="1" name=""/>
+        <p:cNvGrpSpPr/>
+        <p:nvPr/>
+      </p:nvGrpSpPr>
+      <p:grpSpPr>
+        <a:xfrm>
+          <a:off x="0" y="0"/>
+          <a:ext cx="0" cy="0"/>
+          <a:chOff x="0" y="0"/>
+          <a:chExt cx="0" cy="0"/>
+        </a:xfrm>
+      </p:grpSpPr>
+      <p:sp>
+        <p:nvSpPr>
+          <p:cNvPr id="2" name="Titel 1">
+            <a:extLst>
+              <a:ext uri="{FF2B5EF4-FFF2-40B4-BE49-F238E27FC236}">
+                <a16:creationId xmlns:a16="http://schemas.microsoft.com/office/drawing/2014/main" id="{E9457063-9368-47CE-A8B3-09EC7E9C3FC2}"/>
+              </a:ext>
+            </a:extLst>
+          </p:cNvPr>
+          <p:cNvSpPr>
+            <a:spLocks noGrp="1"/>
+          </p:cNvSpPr>
+          <p:nvPr>
+            <p:ph type="title"/>
+          </p:nvPr>
+        </p:nvSpPr>
+        <p:spPr/>
+        <p:txBody>
+          <a:bodyPr/>
+          <a:lstStyle/>
+          <a:p>
+            <a:r>
+              <a:rPr lang="de-DE" dirty="0" err="1"/>
+              <a:t>While</a:t>
+            </a:r>
+            <a:r>
+              <a:rPr lang="de-DE" dirty="0"/>
+              <a:t> Loop</a:t>
+            </a:r>
+            <a:endParaRPr lang="de-AT" dirty="0"/>
+          </a:p>
+        </p:txBody>
+      </p:sp>
+      <p:sp>
+        <p:nvSpPr>
+          <p:cNvPr id="3" name="Inhaltsplatzhalter 2">
+            <a:extLst>
+              <a:ext uri="{FF2B5EF4-FFF2-40B4-BE49-F238E27FC236}">
+                <a16:creationId xmlns:a16="http://schemas.microsoft.com/office/drawing/2014/main" id="{C5F3F361-1F19-873B-A949-4B2722215D9B}"/>
+              </a:ext>
+            </a:extLst>
+          </p:cNvPr>
+          <p:cNvSpPr>
+            <a:spLocks noGrp="1"/>
+          </p:cNvSpPr>
+          <p:nvPr>
+            <p:ph idx="1"/>
+          </p:nvPr>
+        </p:nvSpPr>
+        <p:spPr>
+          <a:xfrm>
+            <a:off x="838200" y="1492398"/>
+            <a:ext cx="10515600" cy="5231675"/>
+          </a:xfrm>
+        </p:spPr>
+        <p:txBody>
+          <a:bodyPr>
+            <a:normAutofit/>
+          </a:bodyPr>
+          <a:lstStyle/>
+          <a:p>
+            <a:r>
+              <a:rPr lang="de-DE" dirty="0">
+                <a:sym typeface="Wingdings" panose="05000000000000000000" pitchFamily="2" charset="2"/>
+              </a:rPr>
+              <a:t>break = c</a:t>
+            </a:r>
+            <a:r>
+              <a:rPr lang="en-US" dirty="0"/>
+              <a:t>an stop the loop even if the while condition is true</a:t>
+            </a:r>
+          </a:p>
+          <a:p>
+            <a:r>
+              <a:rPr lang="en-US" dirty="0">
+                <a:sym typeface="Wingdings" panose="05000000000000000000" pitchFamily="2" charset="2"/>
+              </a:rPr>
+              <a:t>continue = can stop the current iteration and continue with the next</a:t>
+            </a:r>
+          </a:p>
+          <a:p>
+            <a:r>
+              <a:rPr lang="en-US" dirty="0">
+                <a:sym typeface="Wingdings" panose="05000000000000000000" pitchFamily="2" charset="2"/>
+              </a:rPr>
+              <a:t>else = can run a block of code once when the condition no longer is true</a:t>
+            </a:r>
+            <a:endParaRPr lang="en-GB" dirty="0">
+              <a:sym typeface="Wingdings" panose="05000000000000000000" pitchFamily="2" charset="2"/>
+            </a:endParaRPr>
+          </a:p>
+        </p:txBody>
+      </p:sp>
+      <p:pic>
+        <p:nvPicPr>
+          <p:cNvPr id="4" name="Picture 8" descr="Quellbild anzeigen">
+            <a:extLst>
+              <a:ext uri="{FF2B5EF4-FFF2-40B4-BE49-F238E27FC236}">
+                <a16:creationId xmlns:a16="http://schemas.microsoft.com/office/drawing/2014/main" id="{A1CB693A-A663-5100-0A7C-6DE87B02B98E}"/>
+              </a:ext>
+            </a:extLst>
+          </p:cNvPr>
+          <p:cNvPicPr>
+            <a:picLocks noChangeAspect="1" noChangeArrowheads="1"/>
+          </p:cNvPicPr>
+          <p:nvPr/>
+        </p:nvPicPr>
+        <p:blipFill>
+          <a:blip r:embed="rId2">
+            <a:extLst>
+              <a:ext uri="{28A0092B-C50C-407E-A947-70E740481C1C}">
+                <a14:useLocalDpi xmlns:a14="http://schemas.microsoft.com/office/drawing/2010/main" val="0"/>
+              </a:ext>
+            </a:extLst>
+          </a:blip>
+          <a:srcRect/>
+          <a:stretch>
+            <a:fillRect/>
+          </a:stretch>
+        </p:blipFill>
+        <p:spPr bwMode="auto">
+          <a:xfrm>
+            <a:off x="10437091" y="230904"/>
+            <a:ext cx="1469159" cy="1463509"/>
+          </a:xfrm>
+          <a:prstGeom prst="rect">
+            <a:avLst/>
+          </a:prstGeom>
+          <a:noFill/>
+          <a:extLst>
+            <a:ext uri="{909E8E84-426E-40DD-AFC4-6F175D3DCCD1}">
+              <a14:hiddenFill xmlns:a14="http://schemas.microsoft.com/office/drawing/2010/main">
+                <a:solidFill>
+                  <a:srgbClr val="FFFFFF"/>
+                </a:solidFill>
+              </a14:hiddenFill>
+            </a:ext>
+          </a:extLst>
+        </p:spPr>
+      </p:pic>
+      <p:pic>
+        <p:nvPicPr>
+          <p:cNvPr id="6" name="Grafik 5">
+            <a:extLst>
+              <a:ext uri="{FF2B5EF4-FFF2-40B4-BE49-F238E27FC236}">
+                <a16:creationId xmlns:a16="http://schemas.microsoft.com/office/drawing/2014/main" id="{CFA8EBB2-811D-4ABF-7A56-6BBA0A4AD82D}"/>
+              </a:ext>
+            </a:extLst>
+          </p:cNvPr>
+          <p:cNvPicPr>
+            <a:picLocks noChangeAspect="1"/>
+          </p:cNvPicPr>
+          <p:nvPr/>
+        </p:nvPicPr>
+        <p:blipFill>
+          <a:blip r:embed="rId3"/>
+          <a:stretch>
+            <a:fillRect/>
+          </a:stretch>
+        </p:blipFill>
+        <p:spPr>
+          <a:xfrm>
+            <a:off x="135659" y="3387433"/>
+            <a:ext cx="7505700" cy="3429000"/>
+          </a:xfrm>
+          <a:prstGeom prst="rect">
+            <a:avLst/>
+          </a:prstGeom>
+        </p:spPr>
+      </p:pic>
+      <p:pic>
+        <p:nvPicPr>
+          <p:cNvPr id="8" name="Grafik 7">
+            <a:extLst>
+              <a:ext uri="{FF2B5EF4-FFF2-40B4-BE49-F238E27FC236}">
+                <a16:creationId xmlns:a16="http://schemas.microsoft.com/office/drawing/2014/main" id="{CB38DCBF-392E-193A-E1DC-4F1AC967185F}"/>
+              </a:ext>
+            </a:extLst>
+          </p:cNvPr>
+          <p:cNvPicPr>
+            <a:picLocks noChangeAspect="1"/>
+          </p:cNvPicPr>
+          <p:nvPr/>
+        </p:nvPicPr>
+        <p:blipFill>
+          <a:blip r:embed="rId4"/>
+          <a:stretch>
+            <a:fillRect/>
+          </a:stretch>
+        </p:blipFill>
+        <p:spPr>
+          <a:xfrm>
+            <a:off x="7691293" y="3387433"/>
+            <a:ext cx="4257675" cy="2990850"/>
+          </a:xfrm>
+          <a:prstGeom prst="rect">
+            <a:avLst/>
+          </a:prstGeom>
+        </p:spPr>
+      </p:pic>
+    </p:spTree>
+    <p:extLst>
+      <p:ext uri="{BB962C8B-B14F-4D97-AF65-F5344CB8AC3E}">
+        <p14:creationId xmlns:p14="http://schemas.microsoft.com/office/powerpoint/2010/main" val="352219469"/>
       </p:ext>
     </p:extLst>
   </p:cSld>
@@ -4756,6 +6574,1515 @@
     <p:extLst>
       <p:ext uri="{BB962C8B-B14F-4D97-AF65-F5344CB8AC3E}">
         <p14:creationId xmlns:p14="http://schemas.microsoft.com/office/powerpoint/2010/main" val="326095410"/>
+      </p:ext>
+    </p:extLst>
+  </p:cSld>
+  <p:clrMapOvr>
+    <a:masterClrMapping/>
+  </p:clrMapOvr>
+</p:sld>
+</file>
+
+<file path=ppt/slides/slide20.xml><?xml version="1.0" encoding="utf-8"?>
+<p:sld xmlns:a="http://schemas.openxmlformats.org/drawingml/2006/main" xmlns:r="http://schemas.openxmlformats.org/officeDocument/2006/relationships" xmlns:p="http://schemas.openxmlformats.org/presentationml/2006/main">
+  <p:cSld>
+    <p:spTree>
+      <p:nvGrpSpPr>
+        <p:cNvPr id="1" name=""/>
+        <p:cNvGrpSpPr/>
+        <p:nvPr/>
+      </p:nvGrpSpPr>
+      <p:grpSpPr>
+        <a:xfrm>
+          <a:off x="0" y="0"/>
+          <a:ext cx="0" cy="0"/>
+          <a:chOff x="0" y="0"/>
+          <a:chExt cx="0" cy="0"/>
+        </a:xfrm>
+      </p:grpSpPr>
+      <p:sp>
+        <p:nvSpPr>
+          <p:cNvPr id="2" name="Titel 1">
+            <a:extLst>
+              <a:ext uri="{FF2B5EF4-FFF2-40B4-BE49-F238E27FC236}">
+                <a16:creationId xmlns:a16="http://schemas.microsoft.com/office/drawing/2014/main" id="{E9457063-9368-47CE-A8B3-09EC7E9C3FC2}"/>
+              </a:ext>
+            </a:extLst>
+          </p:cNvPr>
+          <p:cNvSpPr>
+            <a:spLocks noGrp="1"/>
+          </p:cNvSpPr>
+          <p:nvPr>
+            <p:ph type="title"/>
+          </p:nvPr>
+        </p:nvSpPr>
+        <p:spPr/>
+        <p:txBody>
+          <a:bodyPr/>
+          <a:lstStyle/>
+          <a:p>
+            <a:r>
+              <a:rPr lang="de-DE" dirty="0" err="1"/>
+              <a:t>For</a:t>
+            </a:r>
+            <a:r>
+              <a:rPr lang="de-DE" dirty="0"/>
+              <a:t> Loop</a:t>
+            </a:r>
+            <a:endParaRPr lang="de-AT" dirty="0"/>
+          </a:p>
+        </p:txBody>
+      </p:sp>
+      <p:sp>
+        <p:nvSpPr>
+          <p:cNvPr id="3" name="Inhaltsplatzhalter 2">
+            <a:extLst>
+              <a:ext uri="{FF2B5EF4-FFF2-40B4-BE49-F238E27FC236}">
+                <a16:creationId xmlns:a16="http://schemas.microsoft.com/office/drawing/2014/main" id="{C5F3F361-1F19-873B-A949-4B2722215D9B}"/>
+              </a:ext>
+            </a:extLst>
+          </p:cNvPr>
+          <p:cNvSpPr>
+            <a:spLocks noGrp="1"/>
+          </p:cNvSpPr>
+          <p:nvPr>
+            <p:ph idx="1"/>
+          </p:nvPr>
+        </p:nvSpPr>
+        <p:spPr>
+          <a:xfrm>
+            <a:off x="838200" y="1492398"/>
+            <a:ext cx="10515600" cy="5231675"/>
+          </a:xfrm>
+        </p:spPr>
+        <p:txBody>
+          <a:bodyPr>
+            <a:normAutofit lnSpcReduction="10000"/>
+          </a:bodyPr>
+          <a:lstStyle/>
+          <a:p>
+            <a:r>
+              <a:rPr lang="en-GB" dirty="0">
+                <a:sym typeface="Wingdings" panose="05000000000000000000" pitchFamily="2" charset="2"/>
+              </a:rPr>
+              <a:t>Loop head</a:t>
+            </a:r>
+          </a:p>
+          <a:p>
+            <a:r>
+              <a:rPr lang="en-GB" dirty="0">
+                <a:sym typeface="Wingdings" panose="05000000000000000000" pitchFamily="2" charset="2"/>
+              </a:rPr>
+              <a:t>Loop body - </a:t>
+            </a:r>
+            <a:r>
+              <a:rPr lang="en-US" dirty="0">
+                <a:sym typeface="Wingdings" panose="05000000000000000000" pitchFamily="2" charset="2"/>
+              </a:rPr>
+              <a:t>indented below the head</a:t>
+            </a:r>
+          </a:p>
+          <a:p>
+            <a:r>
+              <a:rPr lang="de-DE" dirty="0">
+                <a:sym typeface="Wingdings" panose="05000000000000000000" pitchFamily="2" charset="2"/>
+              </a:rPr>
+              <a:t>Purpose:</a:t>
+            </a:r>
+          </a:p>
+          <a:p>
+            <a:pPr lvl="1"/>
+            <a:r>
+              <a:rPr lang="en-US" dirty="0">
+                <a:sym typeface="Wingdings" panose="05000000000000000000" pitchFamily="2" charset="2"/>
+              </a:rPr>
+              <a:t>iterate through </a:t>
+            </a:r>
+            <a:r>
+              <a:rPr lang="en-US" dirty="0" err="1">
+                <a:sym typeface="Wingdings" panose="05000000000000000000" pitchFamily="2" charset="2"/>
+              </a:rPr>
+              <a:t>iterable</a:t>
+            </a:r>
+            <a:r>
+              <a:rPr lang="en-US" dirty="0">
+                <a:sym typeface="Wingdings" panose="05000000000000000000" pitchFamily="2" charset="2"/>
+              </a:rPr>
+              <a:t> objects (e.g. lists)</a:t>
+            </a:r>
+          </a:p>
+          <a:p>
+            <a:pPr lvl="1"/>
+            <a:r>
+              <a:rPr lang="en-US" dirty="0">
+                <a:sym typeface="Wingdings" panose="05000000000000000000" pitchFamily="2" charset="2"/>
+              </a:rPr>
+              <a:t>counter loop</a:t>
+            </a:r>
+            <a:endParaRPr lang="de-DE" dirty="0">
+              <a:sym typeface="Wingdings" panose="05000000000000000000" pitchFamily="2" charset="2"/>
+            </a:endParaRPr>
+          </a:p>
+          <a:p>
+            <a:r>
+              <a:rPr lang="de-DE" dirty="0">
+                <a:sym typeface="Wingdings" panose="05000000000000000000" pitchFamily="2" charset="2"/>
+              </a:rPr>
+              <a:t>break = c</a:t>
+            </a:r>
+            <a:r>
+              <a:rPr lang="en-US" dirty="0"/>
+              <a:t>an stop the loop before it has looped through all the items</a:t>
+            </a:r>
+          </a:p>
+          <a:p>
+            <a:r>
+              <a:rPr lang="en-US" dirty="0">
+                <a:sym typeface="Wingdings" panose="05000000000000000000" pitchFamily="2" charset="2"/>
+              </a:rPr>
+              <a:t>continue = </a:t>
+            </a:r>
+            <a:r>
+              <a:rPr lang="en-US" dirty="0"/>
+              <a:t>can stop the current iteration of the loop, and continue with the next</a:t>
+            </a:r>
+          </a:p>
+          <a:p>
+            <a:r>
+              <a:rPr lang="en-US" dirty="0">
+                <a:sym typeface="Wingdings" panose="05000000000000000000" pitchFamily="2" charset="2"/>
+              </a:rPr>
+              <a:t>range = t</a:t>
+            </a:r>
+            <a:r>
+              <a:rPr lang="en-US" dirty="0"/>
+              <a:t>o loop through a set of code a specified number of times, starts with 0 as default value, possible to specify the starting value</a:t>
+            </a:r>
+          </a:p>
+          <a:p>
+            <a:r>
+              <a:rPr lang="en-GB" dirty="0">
+                <a:sym typeface="Wingdings" panose="05000000000000000000" pitchFamily="2" charset="2"/>
+              </a:rPr>
+              <a:t>else keyword in a for </a:t>
+            </a:r>
+            <a:r>
+              <a:rPr lang="en-US" dirty="0">
+                <a:sym typeface="Wingdings" panose="05000000000000000000" pitchFamily="2" charset="2"/>
+              </a:rPr>
+              <a:t>l</a:t>
+            </a:r>
+            <a:r>
+              <a:rPr lang="en-US" dirty="0"/>
+              <a:t>oop: specifies a block of code to be executed when the loop is finished</a:t>
+            </a:r>
+            <a:endParaRPr lang="en-GB" dirty="0">
+              <a:sym typeface="Wingdings" panose="05000000000000000000" pitchFamily="2" charset="2"/>
+            </a:endParaRPr>
+          </a:p>
+        </p:txBody>
+      </p:sp>
+      <p:pic>
+        <p:nvPicPr>
+          <p:cNvPr id="4" name="Picture 8" descr="Quellbild anzeigen">
+            <a:extLst>
+              <a:ext uri="{FF2B5EF4-FFF2-40B4-BE49-F238E27FC236}">
+                <a16:creationId xmlns:a16="http://schemas.microsoft.com/office/drawing/2014/main" id="{A1CB693A-A663-5100-0A7C-6DE87B02B98E}"/>
+              </a:ext>
+            </a:extLst>
+          </p:cNvPr>
+          <p:cNvPicPr>
+            <a:picLocks noChangeAspect="1" noChangeArrowheads="1"/>
+          </p:cNvPicPr>
+          <p:nvPr/>
+        </p:nvPicPr>
+        <p:blipFill>
+          <a:blip r:embed="rId2">
+            <a:extLst>
+              <a:ext uri="{28A0092B-C50C-407E-A947-70E740481C1C}">
+                <a14:useLocalDpi xmlns:a14="http://schemas.microsoft.com/office/drawing/2010/main" val="0"/>
+              </a:ext>
+            </a:extLst>
+          </a:blip>
+          <a:srcRect/>
+          <a:stretch>
+            <a:fillRect/>
+          </a:stretch>
+        </p:blipFill>
+        <p:spPr bwMode="auto">
+          <a:xfrm>
+            <a:off x="10437091" y="230904"/>
+            <a:ext cx="1469159" cy="1463509"/>
+          </a:xfrm>
+          <a:prstGeom prst="rect">
+            <a:avLst/>
+          </a:prstGeom>
+          <a:noFill/>
+          <a:extLst>
+            <a:ext uri="{909E8E84-426E-40DD-AFC4-6F175D3DCCD1}">
+              <a14:hiddenFill xmlns:a14="http://schemas.microsoft.com/office/drawing/2010/main">
+                <a:solidFill>
+                  <a:srgbClr val="FFFFFF"/>
+                </a:solidFill>
+              </a14:hiddenFill>
+            </a:ext>
+          </a:extLst>
+        </p:spPr>
+      </p:pic>
+    </p:spTree>
+    <p:extLst>
+      <p:ext uri="{BB962C8B-B14F-4D97-AF65-F5344CB8AC3E}">
+        <p14:creationId xmlns:p14="http://schemas.microsoft.com/office/powerpoint/2010/main" val="1157152975"/>
+      </p:ext>
+    </p:extLst>
+  </p:cSld>
+  <p:clrMapOvr>
+    <a:masterClrMapping/>
+  </p:clrMapOvr>
+</p:sld>
+</file>
+
+<file path=ppt/slides/slide21.xml><?xml version="1.0" encoding="utf-8"?>
+<p:sld xmlns:a="http://schemas.openxmlformats.org/drawingml/2006/main" xmlns:r="http://schemas.openxmlformats.org/officeDocument/2006/relationships" xmlns:p="http://schemas.openxmlformats.org/presentationml/2006/main">
+  <p:cSld>
+    <p:spTree>
+      <p:nvGrpSpPr>
+        <p:cNvPr id="1" name=""/>
+        <p:cNvGrpSpPr/>
+        <p:nvPr/>
+      </p:nvGrpSpPr>
+      <p:grpSpPr>
+        <a:xfrm>
+          <a:off x="0" y="0"/>
+          <a:ext cx="0" cy="0"/>
+          <a:chOff x="0" y="0"/>
+          <a:chExt cx="0" cy="0"/>
+        </a:xfrm>
+      </p:grpSpPr>
+      <p:sp>
+        <p:nvSpPr>
+          <p:cNvPr id="2" name="Titel 1">
+            <a:extLst>
+              <a:ext uri="{FF2B5EF4-FFF2-40B4-BE49-F238E27FC236}">
+                <a16:creationId xmlns:a16="http://schemas.microsoft.com/office/drawing/2014/main" id="{E9457063-9368-47CE-A8B3-09EC7E9C3FC2}"/>
+              </a:ext>
+            </a:extLst>
+          </p:cNvPr>
+          <p:cNvSpPr>
+            <a:spLocks noGrp="1"/>
+          </p:cNvSpPr>
+          <p:nvPr>
+            <p:ph type="title"/>
+          </p:nvPr>
+        </p:nvSpPr>
+        <p:spPr/>
+        <p:txBody>
+          <a:bodyPr/>
+          <a:lstStyle/>
+          <a:p>
+            <a:r>
+              <a:rPr lang="de-DE" dirty="0" err="1"/>
+              <a:t>For</a:t>
+            </a:r>
+            <a:r>
+              <a:rPr lang="de-DE" dirty="0"/>
+              <a:t> Loop</a:t>
+            </a:r>
+            <a:endParaRPr lang="de-AT" dirty="0"/>
+          </a:p>
+        </p:txBody>
+      </p:sp>
+      <p:pic>
+        <p:nvPicPr>
+          <p:cNvPr id="4" name="Picture 8" descr="Quellbild anzeigen">
+            <a:extLst>
+              <a:ext uri="{FF2B5EF4-FFF2-40B4-BE49-F238E27FC236}">
+                <a16:creationId xmlns:a16="http://schemas.microsoft.com/office/drawing/2014/main" id="{A1CB693A-A663-5100-0A7C-6DE87B02B98E}"/>
+              </a:ext>
+            </a:extLst>
+          </p:cNvPr>
+          <p:cNvPicPr>
+            <a:picLocks noChangeAspect="1" noChangeArrowheads="1"/>
+          </p:cNvPicPr>
+          <p:nvPr/>
+        </p:nvPicPr>
+        <p:blipFill>
+          <a:blip r:embed="rId2">
+            <a:extLst>
+              <a:ext uri="{28A0092B-C50C-407E-A947-70E740481C1C}">
+                <a14:useLocalDpi xmlns:a14="http://schemas.microsoft.com/office/drawing/2010/main" val="0"/>
+              </a:ext>
+            </a:extLst>
+          </a:blip>
+          <a:srcRect/>
+          <a:stretch>
+            <a:fillRect/>
+          </a:stretch>
+        </p:blipFill>
+        <p:spPr bwMode="auto">
+          <a:xfrm>
+            <a:off x="10437091" y="230904"/>
+            <a:ext cx="1469159" cy="1463509"/>
+          </a:xfrm>
+          <a:prstGeom prst="rect">
+            <a:avLst/>
+          </a:prstGeom>
+          <a:noFill/>
+          <a:extLst>
+            <a:ext uri="{909E8E84-426E-40DD-AFC4-6F175D3DCCD1}">
+              <a14:hiddenFill xmlns:a14="http://schemas.microsoft.com/office/drawing/2010/main">
+                <a:solidFill>
+                  <a:srgbClr val="FFFFFF"/>
+                </a:solidFill>
+              </a14:hiddenFill>
+            </a:ext>
+          </a:extLst>
+        </p:spPr>
+      </p:pic>
+      <p:pic>
+        <p:nvPicPr>
+          <p:cNvPr id="5" name="Grafik 4">
+            <a:extLst>
+              <a:ext uri="{FF2B5EF4-FFF2-40B4-BE49-F238E27FC236}">
+                <a16:creationId xmlns:a16="http://schemas.microsoft.com/office/drawing/2014/main" id="{D1260F42-008C-16AB-C2D8-D9985A3C46D5}"/>
+              </a:ext>
+            </a:extLst>
+          </p:cNvPr>
+          <p:cNvPicPr>
+            <a:picLocks noChangeAspect="1"/>
+          </p:cNvPicPr>
+          <p:nvPr/>
+        </p:nvPicPr>
+        <p:blipFill>
+          <a:blip r:embed="rId3"/>
+          <a:stretch>
+            <a:fillRect/>
+          </a:stretch>
+        </p:blipFill>
+        <p:spPr>
+          <a:xfrm>
+            <a:off x="285750" y="1690688"/>
+            <a:ext cx="4086225" cy="952500"/>
+          </a:xfrm>
+          <a:prstGeom prst="rect">
+            <a:avLst/>
+          </a:prstGeom>
+        </p:spPr>
+      </p:pic>
+      <p:pic>
+        <p:nvPicPr>
+          <p:cNvPr id="8" name="Grafik 7">
+            <a:extLst>
+              <a:ext uri="{FF2B5EF4-FFF2-40B4-BE49-F238E27FC236}">
+                <a16:creationId xmlns:a16="http://schemas.microsoft.com/office/drawing/2014/main" id="{5B503927-E040-9E29-44F4-3331152D1D87}"/>
+              </a:ext>
+            </a:extLst>
+          </p:cNvPr>
+          <p:cNvPicPr>
+            <a:picLocks noChangeAspect="1"/>
+          </p:cNvPicPr>
+          <p:nvPr/>
+        </p:nvPicPr>
+        <p:blipFill>
+          <a:blip r:embed="rId4"/>
+          <a:stretch>
+            <a:fillRect/>
+          </a:stretch>
+        </p:blipFill>
+        <p:spPr>
+          <a:xfrm>
+            <a:off x="285749" y="2787651"/>
+            <a:ext cx="4086225" cy="1181100"/>
+          </a:xfrm>
+          <a:prstGeom prst="rect">
+            <a:avLst/>
+          </a:prstGeom>
+        </p:spPr>
+      </p:pic>
+      <p:sp>
+        <p:nvSpPr>
+          <p:cNvPr id="10" name="Textfeld 9">
+            <a:extLst>
+              <a:ext uri="{FF2B5EF4-FFF2-40B4-BE49-F238E27FC236}">
+                <a16:creationId xmlns:a16="http://schemas.microsoft.com/office/drawing/2014/main" id="{CDF4884E-5600-A362-4DA6-9E75668ED1C9}"/>
+              </a:ext>
+            </a:extLst>
+          </p:cNvPr>
+          <p:cNvSpPr txBox="1"/>
+          <p:nvPr/>
+        </p:nvSpPr>
+        <p:spPr>
+          <a:xfrm>
+            <a:off x="595745" y="2783611"/>
+            <a:ext cx="3776229" cy="405822"/>
+          </a:xfrm>
+          <a:prstGeom prst="rect">
+            <a:avLst/>
+          </a:prstGeom>
+          <a:solidFill>
+            <a:srgbClr val="011627"/>
+          </a:solidFill>
+        </p:spPr>
+        <p:txBody>
+          <a:bodyPr wrap="square" rtlCol="0">
+            <a:spAutoFit/>
+          </a:bodyPr>
+          <a:lstStyle/>
+          <a:p>
+            <a:endParaRPr lang="de-AT" dirty="0"/>
+          </a:p>
+        </p:txBody>
+      </p:sp>
+      <p:sp>
+        <p:nvSpPr>
+          <p:cNvPr id="11" name="Textfeld 10">
+            <a:extLst>
+              <a:ext uri="{FF2B5EF4-FFF2-40B4-BE49-F238E27FC236}">
+                <a16:creationId xmlns:a16="http://schemas.microsoft.com/office/drawing/2014/main" id="{CEFFF1BA-2AFF-9AB9-AAAB-DDEF3A8D5735}"/>
+              </a:ext>
+            </a:extLst>
+          </p:cNvPr>
+          <p:cNvSpPr txBox="1"/>
+          <p:nvPr/>
+        </p:nvSpPr>
+        <p:spPr>
+          <a:xfrm>
+            <a:off x="285749" y="3016251"/>
+            <a:ext cx="365414" cy="173182"/>
+          </a:xfrm>
+          <a:prstGeom prst="rect">
+            <a:avLst/>
+          </a:prstGeom>
+          <a:solidFill>
+            <a:srgbClr val="011627"/>
+          </a:solidFill>
+        </p:spPr>
+        <p:txBody>
+          <a:bodyPr wrap="square" rtlCol="0">
+            <a:spAutoFit/>
+          </a:bodyPr>
+          <a:lstStyle/>
+          <a:p>
+            <a:endParaRPr lang="de-AT" dirty="0"/>
+          </a:p>
+        </p:txBody>
+      </p:sp>
+      <p:pic>
+        <p:nvPicPr>
+          <p:cNvPr id="13" name="Grafik 12">
+            <a:extLst>
+              <a:ext uri="{FF2B5EF4-FFF2-40B4-BE49-F238E27FC236}">
+                <a16:creationId xmlns:a16="http://schemas.microsoft.com/office/drawing/2014/main" id="{6D6AD90A-82C6-6CDD-EFE1-B291936339A3}"/>
+              </a:ext>
+            </a:extLst>
+          </p:cNvPr>
+          <p:cNvPicPr>
+            <a:picLocks noChangeAspect="1"/>
+          </p:cNvPicPr>
+          <p:nvPr/>
+        </p:nvPicPr>
+        <p:blipFill>
+          <a:blip r:embed="rId5"/>
+          <a:stretch>
+            <a:fillRect/>
+          </a:stretch>
+        </p:blipFill>
+        <p:spPr>
+          <a:xfrm>
+            <a:off x="4636366" y="1681163"/>
+            <a:ext cx="5524500" cy="1009650"/>
+          </a:xfrm>
+          <a:prstGeom prst="rect">
+            <a:avLst/>
+          </a:prstGeom>
+        </p:spPr>
+      </p:pic>
+      <p:pic>
+        <p:nvPicPr>
+          <p:cNvPr id="15" name="Grafik 14">
+            <a:extLst>
+              <a:ext uri="{FF2B5EF4-FFF2-40B4-BE49-F238E27FC236}">
+                <a16:creationId xmlns:a16="http://schemas.microsoft.com/office/drawing/2014/main" id="{C8CF5D0F-D2AD-6FD0-0CC7-848F051A4D49}"/>
+              </a:ext>
+            </a:extLst>
+          </p:cNvPr>
+          <p:cNvPicPr>
+            <a:picLocks noChangeAspect="1"/>
+          </p:cNvPicPr>
+          <p:nvPr/>
+        </p:nvPicPr>
+        <p:blipFill>
+          <a:blip r:embed="rId6"/>
+          <a:stretch>
+            <a:fillRect/>
+          </a:stretch>
+        </p:blipFill>
+        <p:spPr>
+          <a:xfrm>
+            <a:off x="4681970" y="2787651"/>
+            <a:ext cx="2695575" cy="2295525"/>
+          </a:xfrm>
+          <a:prstGeom prst="rect">
+            <a:avLst/>
+          </a:prstGeom>
+        </p:spPr>
+      </p:pic>
+      <p:sp>
+        <p:nvSpPr>
+          <p:cNvPr id="16" name="Textfeld 15">
+            <a:extLst>
+              <a:ext uri="{FF2B5EF4-FFF2-40B4-BE49-F238E27FC236}">
+                <a16:creationId xmlns:a16="http://schemas.microsoft.com/office/drawing/2014/main" id="{E958F759-F1E8-9EEF-FA40-9940675348DA}"/>
+              </a:ext>
+            </a:extLst>
+          </p:cNvPr>
+          <p:cNvSpPr txBox="1"/>
+          <p:nvPr/>
+        </p:nvSpPr>
+        <p:spPr>
+          <a:xfrm>
+            <a:off x="5177270" y="2813340"/>
+            <a:ext cx="2200275" cy="405822"/>
+          </a:xfrm>
+          <a:prstGeom prst="rect">
+            <a:avLst/>
+          </a:prstGeom>
+          <a:solidFill>
+            <a:srgbClr val="011627"/>
+          </a:solidFill>
+        </p:spPr>
+        <p:txBody>
+          <a:bodyPr wrap="square" rtlCol="0">
+            <a:spAutoFit/>
+          </a:bodyPr>
+          <a:lstStyle/>
+          <a:p>
+            <a:endParaRPr lang="de-AT" dirty="0"/>
+          </a:p>
+        </p:txBody>
+      </p:sp>
+      <p:sp>
+        <p:nvSpPr>
+          <p:cNvPr id="17" name="Textfeld 16">
+            <a:extLst>
+              <a:ext uri="{FF2B5EF4-FFF2-40B4-BE49-F238E27FC236}">
+                <a16:creationId xmlns:a16="http://schemas.microsoft.com/office/drawing/2014/main" id="{262ACFC7-DA13-5749-55D7-019F8CEA987B}"/>
+              </a:ext>
+            </a:extLst>
+          </p:cNvPr>
+          <p:cNvSpPr txBox="1"/>
+          <p:nvPr/>
+        </p:nvSpPr>
+        <p:spPr>
+          <a:xfrm>
+            <a:off x="4752973" y="3006725"/>
+            <a:ext cx="514351" cy="182707"/>
+          </a:xfrm>
+          <a:prstGeom prst="rect">
+            <a:avLst/>
+          </a:prstGeom>
+          <a:solidFill>
+            <a:srgbClr val="011627"/>
+          </a:solidFill>
+        </p:spPr>
+        <p:txBody>
+          <a:bodyPr wrap="square" rtlCol="0">
+            <a:spAutoFit/>
+          </a:bodyPr>
+          <a:lstStyle/>
+          <a:p>
+            <a:endParaRPr lang="de-AT" dirty="0"/>
+          </a:p>
+        </p:txBody>
+      </p:sp>
+      <p:pic>
+        <p:nvPicPr>
+          <p:cNvPr id="19" name="Grafik 18">
+            <a:extLst>
+              <a:ext uri="{FF2B5EF4-FFF2-40B4-BE49-F238E27FC236}">
+                <a16:creationId xmlns:a16="http://schemas.microsoft.com/office/drawing/2014/main" id="{B5DE22C8-52CD-37C4-F97E-DE681BC12398}"/>
+              </a:ext>
+            </a:extLst>
+          </p:cNvPr>
+          <p:cNvPicPr>
+            <a:picLocks noChangeAspect="1"/>
+          </p:cNvPicPr>
+          <p:nvPr/>
+        </p:nvPicPr>
+        <p:blipFill>
+          <a:blip r:embed="rId7"/>
+          <a:stretch>
+            <a:fillRect/>
+          </a:stretch>
+        </p:blipFill>
+        <p:spPr>
+          <a:xfrm>
+            <a:off x="285749" y="4130096"/>
+            <a:ext cx="3733800" cy="1038225"/>
+          </a:xfrm>
+          <a:prstGeom prst="rect">
+            <a:avLst/>
+          </a:prstGeom>
+        </p:spPr>
+      </p:pic>
+      <p:pic>
+        <p:nvPicPr>
+          <p:cNvPr id="21" name="Grafik 20">
+            <a:extLst>
+              <a:ext uri="{FF2B5EF4-FFF2-40B4-BE49-F238E27FC236}">
+                <a16:creationId xmlns:a16="http://schemas.microsoft.com/office/drawing/2014/main" id="{C6716D84-4C1D-8047-30DC-D73E4EA9DBA7}"/>
+              </a:ext>
+            </a:extLst>
+          </p:cNvPr>
+          <p:cNvPicPr>
+            <a:picLocks noChangeAspect="1"/>
+          </p:cNvPicPr>
+          <p:nvPr/>
+        </p:nvPicPr>
+        <p:blipFill>
+          <a:blip r:embed="rId8"/>
+          <a:stretch>
+            <a:fillRect/>
+          </a:stretch>
+        </p:blipFill>
+        <p:spPr>
+          <a:xfrm>
+            <a:off x="286181" y="5284500"/>
+            <a:ext cx="2971800" cy="1181100"/>
+          </a:xfrm>
+          <a:prstGeom prst="rect">
+            <a:avLst/>
+          </a:prstGeom>
+        </p:spPr>
+      </p:pic>
+      <p:sp>
+        <p:nvSpPr>
+          <p:cNvPr id="22" name="Textfeld 21">
+            <a:extLst>
+              <a:ext uri="{FF2B5EF4-FFF2-40B4-BE49-F238E27FC236}">
+                <a16:creationId xmlns:a16="http://schemas.microsoft.com/office/drawing/2014/main" id="{F8372D4B-6CC9-D7C1-49A6-26CD4474FC5D}"/>
+              </a:ext>
+            </a:extLst>
+          </p:cNvPr>
+          <p:cNvSpPr txBox="1"/>
+          <p:nvPr/>
+        </p:nvSpPr>
+        <p:spPr>
+          <a:xfrm>
+            <a:off x="800100" y="5284500"/>
+            <a:ext cx="3219449" cy="405822"/>
+          </a:xfrm>
+          <a:prstGeom prst="rect">
+            <a:avLst/>
+          </a:prstGeom>
+          <a:solidFill>
+            <a:srgbClr val="011627"/>
+          </a:solidFill>
+        </p:spPr>
+        <p:txBody>
+          <a:bodyPr wrap="square" rtlCol="0">
+            <a:spAutoFit/>
+          </a:bodyPr>
+          <a:lstStyle/>
+          <a:p>
+            <a:endParaRPr lang="de-AT" dirty="0"/>
+          </a:p>
+        </p:txBody>
+      </p:sp>
+      <p:sp>
+        <p:nvSpPr>
+          <p:cNvPr id="23" name="Textfeld 22">
+            <a:extLst>
+              <a:ext uri="{FF2B5EF4-FFF2-40B4-BE49-F238E27FC236}">
+                <a16:creationId xmlns:a16="http://schemas.microsoft.com/office/drawing/2014/main" id="{CF9E849D-A36F-F373-CA32-8301804BAB76}"/>
+              </a:ext>
+            </a:extLst>
+          </p:cNvPr>
+          <p:cNvSpPr txBox="1"/>
+          <p:nvPr/>
+        </p:nvSpPr>
+        <p:spPr>
+          <a:xfrm>
+            <a:off x="285749" y="5518007"/>
+            <a:ext cx="514351" cy="182707"/>
+          </a:xfrm>
+          <a:prstGeom prst="rect">
+            <a:avLst/>
+          </a:prstGeom>
+          <a:solidFill>
+            <a:srgbClr val="011627"/>
+          </a:solidFill>
+        </p:spPr>
+        <p:txBody>
+          <a:bodyPr wrap="square" rtlCol="0">
+            <a:spAutoFit/>
+          </a:bodyPr>
+          <a:lstStyle/>
+          <a:p>
+            <a:endParaRPr lang="de-AT" dirty="0"/>
+          </a:p>
+        </p:txBody>
+      </p:sp>
+      <p:sp>
+        <p:nvSpPr>
+          <p:cNvPr id="25" name="Textfeld 24">
+            <a:extLst>
+              <a:ext uri="{FF2B5EF4-FFF2-40B4-BE49-F238E27FC236}">
+                <a16:creationId xmlns:a16="http://schemas.microsoft.com/office/drawing/2014/main" id="{B520B7B6-8025-DE52-2250-59D3843E172F}"/>
+              </a:ext>
+            </a:extLst>
+          </p:cNvPr>
+          <p:cNvSpPr txBox="1"/>
+          <p:nvPr/>
+        </p:nvSpPr>
+        <p:spPr>
+          <a:xfrm>
+            <a:off x="3250836" y="5661317"/>
+            <a:ext cx="768713" cy="804283"/>
+          </a:xfrm>
+          <a:prstGeom prst="rect">
+            <a:avLst/>
+          </a:prstGeom>
+          <a:solidFill>
+            <a:srgbClr val="011627"/>
+          </a:solidFill>
+        </p:spPr>
+        <p:txBody>
+          <a:bodyPr wrap="square" rtlCol="0">
+            <a:spAutoFit/>
+          </a:bodyPr>
+          <a:lstStyle/>
+          <a:p>
+            <a:endParaRPr lang="de-AT" dirty="0"/>
+          </a:p>
+        </p:txBody>
+      </p:sp>
+      <p:pic>
+        <p:nvPicPr>
+          <p:cNvPr id="27" name="Grafik 26">
+            <a:extLst>
+              <a:ext uri="{FF2B5EF4-FFF2-40B4-BE49-F238E27FC236}">
+                <a16:creationId xmlns:a16="http://schemas.microsoft.com/office/drawing/2014/main" id="{6EA11470-193E-6C29-246D-FF7C9A03813F}"/>
+              </a:ext>
+            </a:extLst>
+          </p:cNvPr>
+          <p:cNvPicPr>
+            <a:picLocks noChangeAspect="1"/>
+          </p:cNvPicPr>
+          <p:nvPr/>
+        </p:nvPicPr>
+        <p:blipFill>
+          <a:blip r:embed="rId9"/>
+          <a:stretch>
+            <a:fillRect/>
+          </a:stretch>
+        </p:blipFill>
+        <p:spPr>
+          <a:xfrm>
+            <a:off x="4673311" y="5281468"/>
+            <a:ext cx="3562350" cy="1466850"/>
+          </a:xfrm>
+          <a:prstGeom prst="rect">
+            <a:avLst/>
+          </a:prstGeom>
+        </p:spPr>
+      </p:pic>
+      <p:pic>
+        <p:nvPicPr>
+          <p:cNvPr id="29" name="Grafik 28">
+            <a:extLst>
+              <a:ext uri="{FF2B5EF4-FFF2-40B4-BE49-F238E27FC236}">
+                <a16:creationId xmlns:a16="http://schemas.microsoft.com/office/drawing/2014/main" id="{13D976E0-C4F4-EFF4-490C-9598FBDE3272}"/>
+              </a:ext>
+            </a:extLst>
+          </p:cNvPr>
+          <p:cNvPicPr>
+            <a:picLocks noChangeAspect="1"/>
+          </p:cNvPicPr>
+          <p:nvPr/>
+        </p:nvPicPr>
+        <p:blipFill>
+          <a:blip r:embed="rId10"/>
+          <a:stretch>
+            <a:fillRect/>
+          </a:stretch>
+        </p:blipFill>
+        <p:spPr>
+          <a:xfrm>
+            <a:off x="8545656" y="5271543"/>
+            <a:ext cx="1401907" cy="1456425"/>
+          </a:xfrm>
+          <a:prstGeom prst="rect">
+            <a:avLst/>
+          </a:prstGeom>
+        </p:spPr>
+      </p:pic>
+      <p:sp>
+        <p:nvSpPr>
+          <p:cNvPr id="30" name="Textfeld 29">
+            <a:extLst>
+              <a:ext uri="{FF2B5EF4-FFF2-40B4-BE49-F238E27FC236}">
+                <a16:creationId xmlns:a16="http://schemas.microsoft.com/office/drawing/2014/main" id="{16D839DA-0874-B684-E23D-0EE5C7F30658}"/>
+              </a:ext>
+            </a:extLst>
+          </p:cNvPr>
+          <p:cNvSpPr txBox="1"/>
+          <p:nvPr/>
+        </p:nvSpPr>
+        <p:spPr>
+          <a:xfrm>
+            <a:off x="8971396" y="5294892"/>
+            <a:ext cx="976168" cy="366425"/>
+          </a:xfrm>
+          <a:prstGeom prst="rect">
+            <a:avLst/>
+          </a:prstGeom>
+          <a:solidFill>
+            <a:srgbClr val="011627"/>
+          </a:solidFill>
+        </p:spPr>
+        <p:txBody>
+          <a:bodyPr wrap="square" rtlCol="0">
+            <a:spAutoFit/>
+          </a:bodyPr>
+          <a:lstStyle/>
+          <a:p>
+            <a:endParaRPr lang="de-AT" dirty="0"/>
+          </a:p>
+        </p:txBody>
+      </p:sp>
+      <p:sp>
+        <p:nvSpPr>
+          <p:cNvPr id="31" name="Textfeld 30">
+            <a:extLst>
+              <a:ext uri="{FF2B5EF4-FFF2-40B4-BE49-F238E27FC236}">
+                <a16:creationId xmlns:a16="http://schemas.microsoft.com/office/drawing/2014/main" id="{A6AE46A1-AC36-11D5-B067-94B52C5ED706}"/>
+              </a:ext>
+            </a:extLst>
+          </p:cNvPr>
+          <p:cNvSpPr txBox="1"/>
+          <p:nvPr/>
+        </p:nvSpPr>
+        <p:spPr>
+          <a:xfrm>
+            <a:off x="8551861" y="5443107"/>
+            <a:ext cx="419535" cy="144893"/>
+          </a:xfrm>
+          <a:prstGeom prst="rect">
+            <a:avLst/>
+          </a:prstGeom>
+          <a:solidFill>
+            <a:srgbClr val="011627"/>
+          </a:solidFill>
+        </p:spPr>
+        <p:txBody>
+          <a:bodyPr wrap="square" rtlCol="0">
+            <a:spAutoFit/>
+          </a:bodyPr>
+          <a:lstStyle/>
+          <a:p>
+            <a:endParaRPr lang="de-AT" dirty="0"/>
+          </a:p>
+        </p:txBody>
+      </p:sp>
+    </p:spTree>
+    <p:extLst>
+      <p:ext uri="{BB962C8B-B14F-4D97-AF65-F5344CB8AC3E}">
+        <p14:creationId xmlns:p14="http://schemas.microsoft.com/office/powerpoint/2010/main" val="2407224900"/>
+      </p:ext>
+    </p:extLst>
+  </p:cSld>
+  <p:clrMapOvr>
+    <a:masterClrMapping/>
+  </p:clrMapOvr>
+</p:sld>
+</file>
+
+<file path=ppt/slides/slide22.xml><?xml version="1.0" encoding="utf-8"?>
+<p:sld xmlns:a="http://schemas.openxmlformats.org/drawingml/2006/main" xmlns:r="http://schemas.openxmlformats.org/officeDocument/2006/relationships" xmlns:p="http://schemas.openxmlformats.org/presentationml/2006/main">
+  <p:cSld>
+    <p:spTree>
+      <p:nvGrpSpPr>
+        <p:cNvPr id="1" name=""/>
+        <p:cNvGrpSpPr/>
+        <p:nvPr/>
+      </p:nvGrpSpPr>
+      <p:grpSpPr>
+        <a:xfrm>
+          <a:off x="0" y="0"/>
+          <a:ext cx="0" cy="0"/>
+          <a:chOff x="0" y="0"/>
+          <a:chExt cx="0" cy="0"/>
+        </a:xfrm>
+      </p:grpSpPr>
+      <p:sp>
+        <p:nvSpPr>
+          <p:cNvPr id="2" name="Titel 1">
+            <a:extLst>
+              <a:ext uri="{FF2B5EF4-FFF2-40B4-BE49-F238E27FC236}">
+                <a16:creationId xmlns:a16="http://schemas.microsoft.com/office/drawing/2014/main" id="{E9457063-9368-47CE-A8B3-09EC7E9C3FC2}"/>
+              </a:ext>
+            </a:extLst>
+          </p:cNvPr>
+          <p:cNvSpPr>
+            <a:spLocks noGrp="1"/>
+          </p:cNvSpPr>
+          <p:nvPr>
+            <p:ph type="title"/>
+          </p:nvPr>
+        </p:nvSpPr>
+        <p:spPr/>
+        <p:txBody>
+          <a:bodyPr/>
+          <a:lstStyle/>
+          <a:p>
+            <a:r>
+              <a:rPr lang="de-DE" dirty="0" err="1"/>
+              <a:t>Functions</a:t>
+            </a:r>
+            <a:endParaRPr lang="de-AT" dirty="0"/>
+          </a:p>
+        </p:txBody>
+      </p:sp>
+      <p:sp>
+        <p:nvSpPr>
+          <p:cNvPr id="3" name="Inhaltsplatzhalter 2">
+            <a:extLst>
+              <a:ext uri="{FF2B5EF4-FFF2-40B4-BE49-F238E27FC236}">
+                <a16:creationId xmlns:a16="http://schemas.microsoft.com/office/drawing/2014/main" id="{C5F3F361-1F19-873B-A949-4B2722215D9B}"/>
+              </a:ext>
+            </a:extLst>
+          </p:cNvPr>
+          <p:cNvSpPr>
+            <a:spLocks noGrp="1"/>
+          </p:cNvSpPr>
+          <p:nvPr>
+            <p:ph idx="1"/>
+          </p:nvPr>
+        </p:nvSpPr>
+        <p:spPr>
+          <a:xfrm>
+            <a:off x="838200" y="1492398"/>
+            <a:ext cx="10515600" cy="5231675"/>
+          </a:xfrm>
+        </p:spPr>
+        <p:txBody>
+          <a:bodyPr>
+            <a:normAutofit fontScale="92500" lnSpcReduction="20000"/>
+          </a:bodyPr>
+          <a:lstStyle/>
+          <a:p>
+            <a:r>
+              <a:rPr lang="en-US" dirty="0">
+                <a:sym typeface="Wingdings" panose="05000000000000000000" pitchFamily="2" charset="2"/>
+              </a:rPr>
+              <a:t>Functions enable better structuring in the program</a:t>
+            </a:r>
+          </a:p>
+          <a:p>
+            <a:r>
+              <a:rPr lang="en-US" dirty="0">
+                <a:sym typeface="Wingdings" panose="05000000000000000000" pitchFamily="2" charset="2"/>
+              </a:rPr>
+              <a:t>Individual functionalities of the program are outsourced to different functions</a:t>
+            </a:r>
+          </a:p>
+          <a:p>
+            <a:r>
+              <a:rPr lang="en-US" dirty="0">
+                <a:sym typeface="Wingdings" panose="05000000000000000000" pitchFamily="2" charset="2"/>
+              </a:rPr>
+              <a:t>Function = sub-program</a:t>
+            </a:r>
+          </a:p>
+          <a:p>
+            <a:r>
+              <a:rPr lang="en-US" dirty="0">
+                <a:sym typeface="Wingdings" panose="05000000000000000000" pitchFamily="2" charset="2"/>
+              </a:rPr>
+              <a:t>Arguments:</a:t>
+            </a:r>
+          </a:p>
+          <a:p>
+            <a:pPr lvl="1"/>
+            <a:r>
+              <a:rPr lang="en-US" b="0" i="0" dirty="0">
+                <a:solidFill>
+                  <a:srgbClr val="000000"/>
+                </a:solidFill>
+                <a:effectLst/>
+                <a:latin typeface="Verdana" panose="020B0604030504040204" pitchFamily="34" charset="0"/>
+              </a:rPr>
+              <a:t>… are specified after the function name, inside the parentheses (brackets).</a:t>
+            </a:r>
+          </a:p>
+          <a:p>
+            <a:pPr lvl="1"/>
+            <a:r>
+              <a:rPr lang="en-US" b="0" i="0" dirty="0">
+                <a:solidFill>
+                  <a:srgbClr val="000000"/>
+                </a:solidFill>
+                <a:effectLst/>
+                <a:latin typeface="Verdana" panose="020B0604030504040204" pitchFamily="34" charset="0"/>
+              </a:rPr>
+              <a:t>it is possible to add as many arguments as you want, just separate them with a comma.</a:t>
+            </a:r>
+            <a:endParaRPr lang="en-US" dirty="0">
+              <a:sym typeface="Wingdings" panose="05000000000000000000" pitchFamily="2" charset="2"/>
+            </a:endParaRPr>
+          </a:p>
+          <a:p>
+            <a:r>
+              <a:rPr lang="en-US" dirty="0">
+                <a:sym typeface="Wingdings" panose="05000000000000000000" pitchFamily="2" charset="2"/>
+              </a:rPr>
+              <a:t>Arguments vs. Parameters</a:t>
+            </a:r>
+          </a:p>
+          <a:p>
+            <a:pPr lvl="1"/>
+            <a:r>
+              <a:rPr lang="en-US" b="0" i="0" dirty="0">
+                <a:solidFill>
+                  <a:srgbClr val="000000"/>
+                </a:solidFill>
+                <a:effectLst/>
+                <a:latin typeface="Verdana" panose="020B0604030504040204" pitchFamily="34" charset="0"/>
+              </a:rPr>
+              <a:t>A parameter is the variable listed inside the parentheses in the function definition.</a:t>
+            </a:r>
+          </a:p>
+          <a:p>
+            <a:pPr lvl="1"/>
+            <a:r>
+              <a:rPr lang="en-US" b="0" i="0" dirty="0">
+                <a:solidFill>
+                  <a:srgbClr val="000000"/>
+                </a:solidFill>
+                <a:effectLst/>
+                <a:latin typeface="Verdana" panose="020B0604030504040204" pitchFamily="34" charset="0"/>
+              </a:rPr>
+              <a:t>An argument is the value that is sent to the function when it is called.</a:t>
+            </a:r>
+            <a:endParaRPr lang="en-US" dirty="0">
+              <a:sym typeface="Wingdings" panose="05000000000000000000" pitchFamily="2" charset="2"/>
+            </a:endParaRPr>
+          </a:p>
+          <a:p>
+            <a:r>
+              <a:rPr lang="en-GB" dirty="0">
+                <a:sym typeface="Wingdings" panose="05000000000000000000" pitchFamily="2" charset="2"/>
+              </a:rPr>
+              <a:t>def = definition = starts a function</a:t>
+            </a:r>
+          </a:p>
+          <a:p>
+            <a:r>
+              <a:rPr lang="de-AT" dirty="0">
+                <a:hlinkClick r:id="rId2"/>
+              </a:rPr>
+              <a:t>Python </a:t>
+            </a:r>
+            <a:r>
+              <a:rPr lang="de-AT" dirty="0" err="1">
+                <a:hlinkClick r:id="rId2"/>
+              </a:rPr>
+              <a:t>Functions</a:t>
+            </a:r>
+            <a:r>
+              <a:rPr lang="de-AT" dirty="0">
+                <a:hlinkClick r:id="rId2"/>
+              </a:rPr>
+              <a:t> (w3schools.com)</a:t>
+            </a:r>
+            <a:endParaRPr lang="en-GB" dirty="0">
+              <a:sym typeface="Wingdings" panose="05000000000000000000" pitchFamily="2" charset="2"/>
+            </a:endParaRPr>
+          </a:p>
+        </p:txBody>
+      </p:sp>
+      <p:pic>
+        <p:nvPicPr>
+          <p:cNvPr id="4" name="Picture 8" descr="Quellbild anzeigen">
+            <a:extLst>
+              <a:ext uri="{FF2B5EF4-FFF2-40B4-BE49-F238E27FC236}">
+                <a16:creationId xmlns:a16="http://schemas.microsoft.com/office/drawing/2014/main" id="{A1CB693A-A663-5100-0A7C-6DE87B02B98E}"/>
+              </a:ext>
+            </a:extLst>
+          </p:cNvPr>
+          <p:cNvPicPr>
+            <a:picLocks noChangeAspect="1" noChangeArrowheads="1"/>
+          </p:cNvPicPr>
+          <p:nvPr/>
+        </p:nvPicPr>
+        <p:blipFill>
+          <a:blip r:embed="rId3">
+            <a:extLst>
+              <a:ext uri="{28A0092B-C50C-407E-A947-70E740481C1C}">
+                <a14:useLocalDpi xmlns:a14="http://schemas.microsoft.com/office/drawing/2010/main" val="0"/>
+              </a:ext>
+            </a:extLst>
+          </a:blip>
+          <a:srcRect/>
+          <a:stretch>
+            <a:fillRect/>
+          </a:stretch>
+        </p:blipFill>
+        <p:spPr bwMode="auto">
+          <a:xfrm>
+            <a:off x="10437091" y="230904"/>
+            <a:ext cx="1469159" cy="1463509"/>
+          </a:xfrm>
+          <a:prstGeom prst="rect">
+            <a:avLst/>
+          </a:prstGeom>
+          <a:noFill/>
+          <a:extLst>
+            <a:ext uri="{909E8E84-426E-40DD-AFC4-6F175D3DCCD1}">
+              <a14:hiddenFill xmlns:a14="http://schemas.microsoft.com/office/drawing/2010/main">
+                <a:solidFill>
+                  <a:srgbClr val="FFFFFF"/>
+                </a:solidFill>
+              </a14:hiddenFill>
+            </a:ext>
+          </a:extLst>
+        </p:spPr>
+      </p:pic>
+    </p:spTree>
+    <p:extLst>
+      <p:ext uri="{BB962C8B-B14F-4D97-AF65-F5344CB8AC3E}">
+        <p14:creationId xmlns:p14="http://schemas.microsoft.com/office/powerpoint/2010/main" val="1140541389"/>
+      </p:ext>
+    </p:extLst>
+  </p:cSld>
+  <p:clrMapOvr>
+    <a:masterClrMapping/>
+  </p:clrMapOvr>
+</p:sld>
+</file>
+
+<file path=ppt/slides/slide23.xml><?xml version="1.0" encoding="utf-8"?>
+<p:sld xmlns:a="http://schemas.openxmlformats.org/drawingml/2006/main" xmlns:r="http://schemas.openxmlformats.org/officeDocument/2006/relationships" xmlns:p="http://schemas.openxmlformats.org/presentationml/2006/main">
+  <p:cSld>
+    <p:spTree>
+      <p:nvGrpSpPr>
+        <p:cNvPr id="1" name=""/>
+        <p:cNvGrpSpPr/>
+        <p:nvPr/>
+      </p:nvGrpSpPr>
+      <p:grpSpPr>
+        <a:xfrm>
+          <a:off x="0" y="0"/>
+          <a:ext cx="0" cy="0"/>
+          <a:chOff x="0" y="0"/>
+          <a:chExt cx="0" cy="0"/>
+        </a:xfrm>
+      </p:grpSpPr>
+      <p:sp>
+        <p:nvSpPr>
+          <p:cNvPr id="2" name="Titel 1">
+            <a:extLst>
+              <a:ext uri="{FF2B5EF4-FFF2-40B4-BE49-F238E27FC236}">
+                <a16:creationId xmlns:a16="http://schemas.microsoft.com/office/drawing/2014/main" id="{E9457063-9368-47CE-A8B3-09EC7E9C3FC2}"/>
+              </a:ext>
+            </a:extLst>
+          </p:cNvPr>
+          <p:cNvSpPr>
+            <a:spLocks noGrp="1"/>
+          </p:cNvSpPr>
+          <p:nvPr>
+            <p:ph type="title"/>
+          </p:nvPr>
+        </p:nvSpPr>
+        <p:spPr/>
+        <p:txBody>
+          <a:bodyPr/>
+          <a:lstStyle/>
+          <a:p>
+            <a:r>
+              <a:rPr lang="en-GB" dirty="0"/>
+              <a:t>Function</a:t>
+            </a:r>
+          </a:p>
+        </p:txBody>
+      </p:sp>
+      <p:pic>
+        <p:nvPicPr>
+          <p:cNvPr id="4" name="Picture 8" descr="Quellbild anzeigen">
+            <a:extLst>
+              <a:ext uri="{FF2B5EF4-FFF2-40B4-BE49-F238E27FC236}">
+                <a16:creationId xmlns:a16="http://schemas.microsoft.com/office/drawing/2014/main" id="{A1CB693A-A663-5100-0A7C-6DE87B02B98E}"/>
+              </a:ext>
+            </a:extLst>
+          </p:cNvPr>
+          <p:cNvPicPr>
+            <a:picLocks noChangeAspect="1" noChangeArrowheads="1"/>
+          </p:cNvPicPr>
+          <p:nvPr/>
+        </p:nvPicPr>
+        <p:blipFill>
+          <a:blip r:embed="rId2">
+            <a:extLst>
+              <a:ext uri="{28A0092B-C50C-407E-A947-70E740481C1C}">
+                <a14:useLocalDpi xmlns:a14="http://schemas.microsoft.com/office/drawing/2010/main" val="0"/>
+              </a:ext>
+            </a:extLst>
+          </a:blip>
+          <a:srcRect/>
+          <a:stretch>
+            <a:fillRect/>
+          </a:stretch>
+        </p:blipFill>
+        <p:spPr bwMode="auto">
+          <a:xfrm>
+            <a:off x="10437091" y="230904"/>
+            <a:ext cx="1469159" cy="1463509"/>
+          </a:xfrm>
+          <a:prstGeom prst="rect">
+            <a:avLst/>
+          </a:prstGeom>
+          <a:noFill/>
+          <a:extLst>
+            <a:ext uri="{909E8E84-426E-40DD-AFC4-6F175D3DCCD1}">
+              <a14:hiddenFill xmlns:a14="http://schemas.microsoft.com/office/drawing/2010/main">
+                <a:solidFill>
+                  <a:srgbClr val="FFFFFF"/>
+                </a:solidFill>
+              </a14:hiddenFill>
+            </a:ext>
+          </a:extLst>
+        </p:spPr>
+      </p:pic>
+      <p:pic>
+        <p:nvPicPr>
+          <p:cNvPr id="6" name="Grafik 5">
+            <a:extLst>
+              <a:ext uri="{FF2B5EF4-FFF2-40B4-BE49-F238E27FC236}">
+                <a16:creationId xmlns:a16="http://schemas.microsoft.com/office/drawing/2014/main" id="{9F70FA90-B7E1-4ED3-04BC-EE41F295DEB4}"/>
+              </a:ext>
+            </a:extLst>
+          </p:cNvPr>
+          <p:cNvPicPr>
+            <a:picLocks noChangeAspect="1"/>
+          </p:cNvPicPr>
+          <p:nvPr/>
+        </p:nvPicPr>
+        <p:blipFill>
+          <a:blip r:embed="rId3"/>
+          <a:stretch>
+            <a:fillRect/>
+          </a:stretch>
+        </p:blipFill>
+        <p:spPr>
+          <a:xfrm>
+            <a:off x="285751" y="1338407"/>
+            <a:ext cx="8305800" cy="5476150"/>
+          </a:xfrm>
+          <a:prstGeom prst="rect">
+            <a:avLst/>
+          </a:prstGeom>
+        </p:spPr>
+      </p:pic>
+      <p:pic>
+        <p:nvPicPr>
+          <p:cNvPr id="9" name="Grafik 8">
+            <a:extLst>
+              <a:ext uri="{FF2B5EF4-FFF2-40B4-BE49-F238E27FC236}">
+                <a16:creationId xmlns:a16="http://schemas.microsoft.com/office/drawing/2014/main" id="{6B3E607A-E9AD-4486-5885-CF26285D3FB9}"/>
+              </a:ext>
+            </a:extLst>
+          </p:cNvPr>
+          <p:cNvPicPr>
+            <a:picLocks noChangeAspect="1"/>
+          </p:cNvPicPr>
+          <p:nvPr/>
+        </p:nvPicPr>
+        <p:blipFill>
+          <a:blip r:embed="rId4"/>
+          <a:stretch>
+            <a:fillRect/>
+          </a:stretch>
+        </p:blipFill>
+        <p:spPr>
+          <a:xfrm>
+            <a:off x="8963025" y="2914650"/>
+            <a:ext cx="2019300" cy="1962150"/>
+          </a:xfrm>
+          <a:prstGeom prst="rect">
+            <a:avLst/>
+          </a:prstGeom>
+        </p:spPr>
+      </p:pic>
+    </p:spTree>
+    <p:extLst>
+      <p:ext uri="{BB962C8B-B14F-4D97-AF65-F5344CB8AC3E}">
+        <p14:creationId xmlns:p14="http://schemas.microsoft.com/office/powerpoint/2010/main" val="188590901"/>
+      </p:ext>
+    </p:extLst>
+  </p:cSld>
+  <p:clrMapOvr>
+    <a:masterClrMapping/>
+  </p:clrMapOvr>
+</p:sld>
+</file>
+
+<file path=ppt/slides/slide24.xml><?xml version="1.0" encoding="utf-8"?>
+<p:sld xmlns:a="http://schemas.openxmlformats.org/drawingml/2006/main" xmlns:r="http://schemas.openxmlformats.org/officeDocument/2006/relationships" xmlns:p="http://schemas.openxmlformats.org/presentationml/2006/main">
+  <p:cSld>
+    <p:spTree>
+      <p:nvGrpSpPr>
+        <p:cNvPr id="1" name=""/>
+        <p:cNvGrpSpPr/>
+        <p:nvPr/>
+      </p:nvGrpSpPr>
+      <p:grpSpPr>
+        <a:xfrm>
+          <a:off x="0" y="0"/>
+          <a:ext cx="0" cy="0"/>
+          <a:chOff x="0" y="0"/>
+          <a:chExt cx="0" cy="0"/>
+        </a:xfrm>
+      </p:grpSpPr>
+      <p:sp>
+        <p:nvSpPr>
+          <p:cNvPr id="2" name="Titel 1">
+            <a:extLst>
+              <a:ext uri="{FF2B5EF4-FFF2-40B4-BE49-F238E27FC236}">
+                <a16:creationId xmlns:a16="http://schemas.microsoft.com/office/drawing/2014/main" id="{E9457063-9368-47CE-A8B3-09EC7E9C3FC2}"/>
+              </a:ext>
+            </a:extLst>
+          </p:cNvPr>
+          <p:cNvSpPr>
+            <a:spLocks noGrp="1"/>
+          </p:cNvSpPr>
+          <p:nvPr>
+            <p:ph type="title"/>
+          </p:nvPr>
+        </p:nvSpPr>
+        <p:spPr/>
+        <p:txBody>
+          <a:bodyPr/>
+          <a:lstStyle/>
+          <a:p>
+            <a:r>
+              <a:rPr lang="en-GB" dirty="0"/>
+              <a:t>Function</a:t>
+            </a:r>
+          </a:p>
+        </p:txBody>
+      </p:sp>
+      <p:pic>
+        <p:nvPicPr>
+          <p:cNvPr id="4" name="Picture 8" descr="Quellbild anzeigen">
+            <a:extLst>
+              <a:ext uri="{FF2B5EF4-FFF2-40B4-BE49-F238E27FC236}">
+                <a16:creationId xmlns:a16="http://schemas.microsoft.com/office/drawing/2014/main" id="{A1CB693A-A663-5100-0A7C-6DE87B02B98E}"/>
+              </a:ext>
+            </a:extLst>
+          </p:cNvPr>
+          <p:cNvPicPr>
+            <a:picLocks noChangeAspect="1" noChangeArrowheads="1"/>
+          </p:cNvPicPr>
+          <p:nvPr/>
+        </p:nvPicPr>
+        <p:blipFill>
+          <a:blip r:embed="rId2">
+            <a:extLst>
+              <a:ext uri="{28A0092B-C50C-407E-A947-70E740481C1C}">
+                <a14:useLocalDpi xmlns:a14="http://schemas.microsoft.com/office/drawing/2010/main" val="0"/>
+              </a:ext>
+            </a:extLst>
+          </a:blip>
+          <a:srcRect/>
+          <a:stretch>
+            <a:fillRect/>
+          </a:stretch>
+        </p:blipFill>
+        <p:spPr bwMode="auto">
+          <a:xfrm>
+            <a:off x="10437091" y="230904"/>
+            <a:ext cx="1469159" cy="1463509"/>
+          </a:xfrm>
+          <a:prstGeom prst="rect">
+            <a:avLst/>
+          </a:prstGeom>
+          <a:noFill/>
+          <a:extLst>
+            <a:ext uri="{909E8E84-426E-40DD-AFC4-6F175D3DCCD1}">
+              <a14:hiddenFill xmlns:a14="http://schemas.microsoft.com/office/drawing/2010/main">
+                <a:solidFill>
+                  <a:srgbClr val="FFFFFF"/>
+                </a:solidFill>
+              </a14:hiddenFill>
+            </a:ext>
+          </a:extLst>
+        </p:spPr>
+      </p:pic>
+      <p:pic>
+        <p:nvPicPr>
+          <p:cNvPr id="5" name="Grafik 4">
+            <a:extLst>
+              <a:ext uri="{FF2B5EF4-FFF2-40B4-BE49-F238E27FC236}">
+                <a16:creationId xmlns:a16="http://schemas.microsoft.com/office/drawing/2014/main" id="{3DF0B716-C6AD-D735-6662-D020CC693874}"/>
+              </a:ext>
+            </a:extLst>
+          </p:cNvPr>
+          <p:cNvPicPr>
+            <a:picLocks noChangeAspect="1"/>
+          </p:cNvPicPr>
+          <p:nvPr/>
+        </p:nvPicPr>
+        <p:blipFill>
+          <a:blip r:embed="rId3"/>
+          <a:stretch>
+            <a:fillRect/>
+          </a:stretch>
+        </p:blipFill>
+        <p:spPr>
+          <a:xfrm>
+            <a:off x="1460500" y="1781036"/>
+            <a:ext cx="2876550" cy="2628900"/>
+          </a:xfrm>
+          <a:prstGeom prst="rect">
+            <a:avLst/>
+          </a:prstGeom>
+        </p:spPr>
+      </p:pic>
+      <p:pic>
+        <p:nvPicPr>
+          <p:cNvPr id="8" name="Grafik 7">
+            <a:extLst>
+              <a:ext uri="{FF2B5EF4-FFF2-40B4-BE49-F238E27FC236}">
+                <a16:creationId xmlns:a16="http://schemas.microsoft.com/office/drawing/2014/main" id="{C4D48940-E210-7C8B-BA8D-C39A425AC90A}"/>
+              </a:ext>
+            </a:extLst>
+          </p:cNvPr>
+          <p:cNvPicPr>
+            <a:picLocks noChangeAspect="1"/>
+          </p:cNvPicPr>
+          <p:nvPr/>
+        </p:nvPicPr>
+        <p:blipFill>
+          <a:blip r:embed="rId4"/>
+          <a:stretch>
+            <a:fillRect/>
+          </a:stretch>
+        </p:blipFill>
+        <p:spPr>
+          <a:xfrm>
+            <a:off x="1460500" y="4567098"/>
+            <a:ext cx="1362075" cy="542925"/>
+          </a:xfrm>
+          <a:prstGeom prst="rect">
+            <a:avLst/>
+          </a:prstGeom>
+        </p:spPr>
+      </p:pic>
+    </p:spTree>
+    <p:extLst>
+      <p:ext uri="{BB962C8B-B14F-4D97-AF65-F5344CB8AC3E}">
+        <p14:creationId xmlns:p14="http://schemas.microsoft.com/office/powerpoint/2010/main" val="1583986899"/>
       </p:ext>
     </p:extLst>
   </p:cSld>
